--- a/ProjectTemplate (1) - Copy.pptx
+++ b/ProjectTemplate (1) - Copy.pptx
@@ -5,7 +5,7 @@
     <p:sldMasterId id="2147483712" r:id="rId4"/>
   </p:sldMasterIdLst>
   <p:notesMasterIdLst>
-    <p:notesMasterId r:id="rId21"/>
+    <p:notesMasterId r:id="rId25"/>
   </p:notesMasterIdLst>
   <p:sldIdLst>
     <p:sldId id="256" r:id="rId5"/>
@@ -15,15 +15,19 @@
     <p:sldId id="265" r:id="rId9"/>
     <p:sldId id="2146847062" r:id="rId10"/>
     <p:sldId id="266" r:id="rId11"/>
-    <p:sldId id="2146847063" r:id="rId12"/>
-    <p:sldId id="267" r:id="rId13"/>
-    <p:sldId id="268" r:id="rId14"/>
-    <p:sldId id="2146847055" r:id="rId15"/>
-    <p:sldId id="269" r:id="rId16"/>
-    <p:sldId id="2146847059" r:id="rId17"/>
-    <p:sldId id="2146847060" r:id="rId18"/>
-    <p:sldId id="2146847061" r:id="rId19"/>
-    <p:sldId id="259" r:id="rId20"/>
+    <p:sldId id="2146847065" r:id="rId12"/>
+    <p:sldId id="2146847063" r:id="rId13"/>
+    <p:sldId id="267" r:id="rId14"/>
+    <p:sldId id="2146847066" r:id="rId15"/>
+    <p:sldId id="2146847067" r:id="rId16"/>
+    <p:sldId id="268" r:id="rId17"/>
+    <p:sldId id="2146847055" r:id="rId18"/>
+    <p:sldId id="269" r:id="rId19"/>
+    <p:sldId id="2146847059" r:id="rId20"/>
+    <p:sldId id="2146847060" r:id="rId21"/>
+    <p:sldId id="2146847061" r:id="rId22"/>
+    <p:sldId id="259" r:id="rId23"/>
+    <p:sldId id="2146847064" r:id="rId24"/>
   </p:sldIdLst>
   <p:sldSz cx="12192000" cy="6858000"/>
   <p:notesSz cx="6858000" cy="9144000"/>
@@ -133,7 +137,7 @@
 <file path=ppt/revisionInfo.xml><?xml version="1.0" encoding="utf-8"?>
 <p1510:revInfo xmlns:a="http://schemas.openxmlformats.org/drawingml/2006/main" xmlns:r="http://schemas.openxmlformats.org/officeDocument/2006/relationships" xmlns:p1510="http://schemas.microsoft.com/office/powerpoint/2015/10/main">
   <p1510:revLst>
-    <p1510:client id="{50D69F62-A7EC-FA08-B3BB-957DD6C59090}" v="970" dt="2025-08-03T16:09:33.158"/>
+    <p1510:client id="{50D69F62-A7EC-FA08-B3BB-957DD6C59090}" v="1369" dt="2025-08-03T17:31:50.273"/>
   </p1510:revLst>
 </p1510:revInfo>
 </file>
@@ -4294,7 +4298,7 @@
                 <a:latin typeface="Arial"/>
                 <a:cs typeface="Arial"/>
               </a:rPr>
-              <a:t>CAPSTONE PROJECT</a:t>
+              <a:t>IBM AICTE PROJECT</a:t>
             </a:r>
           </a:p>
         </p:txBody>
@@ -4308,7 +4312,7 @@
         <p:spPr>
           <a:xfrm>
             <a:off x="3117529" y="4586365"/>
-            <a:ext cx="7980183" cy="707886"/>
+            <a:ext cx="7980183" cy="1323439"/>
           </a:xfrm>
           <a:prstGeom prst="rect">
             <a:avLst/>
@@ -4328,11 +4332,20 @@
                     <a:lumMod val="75000"/>
                   </a:schemeClr>
                 </a:solidFill>
-                <a:latin typeface="Arial" pitchFamily="34" charset="0"/>
-                <a:cs typeface="Arial" pitchFamily="34" charset="0"/>
+                <a:latin typeface="Arial"/>
+                <a:cs typeface="Arial"/>
               </a:rPr>
               <a:t>Presented By:</a:t>
             </a:r>
+            <a:endParaRPr lang="en-US" dirty="0">
+              <a:solidFill>
+                <a:schemeClr val="accent1">
+                  <a:lumMod val="75000"/>
+                </a:schemeClr>
+              </a:solidFill>
+              <a:latin typeface="Franklin Gothic Book" panose="020B0502020104020203"/>
+              <a:cs typeface="Arial"/>
+            </a:endParaRPr>
           </a:p>
           <a:p>
             <a:r>
@@ -4345,8 +4358,61 @@
                 <a:latin typeface="Arial"/>
                 <a:cs typeface="Arial"/>
               </a:rPr>
-              <a:t>Suryank Malik- ABES Engineering College-Computer Science</a:t>
-            </a:r>
+              <a:t>Student name: Suryank Malik</a:t>
+            </a:r>
+            <a:endParaRPr lang="en-US" dirty="0">
+              <a:solidFill>
+                <a:schemeClr val="accent1">
+                  <a:lumMod val="75000"/>
+                </a:schemeClr>
+              </a:solidFill>
+              <a:latin typeface="Franklin Gothic Book" panose="020B0502020104020203"/>
+              <a:cs typeface="Arial"/>
+            </a:endParaRPr>
+          </a:p>
+          <a:p>
+            <a:r>
+              <a:rPr lang="en-US" sz="2000" b="1" dirty="0">
+                <a:solidFill>
+                  <a:schemeClr val="accent1">
+                    <a:lumMod val="75000"/>
+                  </a:schemeClr>
+                </a:solidFill>
+                <a:latin typeface="Arial"/>
+                <a:cs typeface="Arial"/>
+              </a:rPr>
+              <a:t>College Name- ABES Engineering College</a:t>
+            </a:r>
+            <a:endParaRPr lang="en-US" dirty="0">
+              <a:solidFill>
+                <a:schemeClr val="accent1">
+                  <a:lumMod val="75000"/>
+                </a:schemeClr>
+              </a:solidFill>
+              <a:latin typeface="Franklin Gothic Book" panose="020B0502020104020203"/>
+              <a:cs typeface="Arial"/>
+            </a:endParaRPr>
+          </a:p>
+          <a:p>
+            <a:r>
+              <a:rPr lang="en-US" sz="2000" b="1" dirty="0">
+                <a:solidFill>
+                  <a:schemeClr val="accent1">
+                    <a:lumMod val="75000"/>
+                  </a:schemeClr>
+                </a:solidFill>
+                <a:latin typeface="Arial"/>
+                <a:cs typeface="Arial"/>
+              </a:rPr>
+              <a:t>Department- Computer Science</a:t>
+            </a:r>
+            <a:endParaRPr lang="en-US" dirty="0">
+              <a:solidFill>
+                <a:schemeClr val="accent1">
+                  <a:lumMod val="75000"/>
+                </a:schemeClr>
+              </a:solidFill>
+            </a:endParaRPr>
           </a:p>
         </p:txBody>
       </p:sp>
@@ -4396,7 +4462,12 @@
             <p:ph type="title"/>
           </p:nvPr>
         </p:nvSpPr>
-        <p:spPr/>
+        <p:spPr>
+          <a:xfrm>
+            <a:off x="581192" y="702156"/>
+            <a:ext cx="11029616" cy="670972"/>
+          </a:xfrm>
+        </p:spPr>
         <p:txBody>
           <a:bodyPr>
             <a:normAutofit fontScale="90000"/>
@@ -4412,7 +4483,7 @@
                 <a:ea typeface="+mj-lt"/>
                 <a:cs typeface="Arial"/>
               </a:rPr>
-              <a:t>Conclusion</a:t>
+              <a:t>Result</a:t>
             </a:r>
             <a:endParaRPr lang="en-US"/>
           </a:p>
@@ -4423,7 +4494,7 @@
           <p:cNvPr id="2" name="Content Placeholder 1">
             <a:extLst>
               <a:ext uri="{FF2B5EF4-FFF2-40B4-BE49-F238E27FC236}">
-                <a16:creationId xmlns:a16="http://schemas.microsoft.com/office/drawing/2014/main" id="{005E46AB-32C4-4B57-A2B1-50738A64BE1B}"/>
+                <a16:creationId xmlns:a16="http://schemas.microsoft.com/office/drawing/2014/main" id="{D3304455-6802-6CA9-8475-2F6DD1B8D409}"/>
               </a:ext>
             </a:extLst>
           </p:cNvPr>
@@ -4436,8 +4507,8 @@
         </p:nvSpPr>
         <p:spPr>
           <a:xfrm>
-            <a:off x="581192" y="-667450"/>
-            <a:ext cx="11029615" cy="6642800"/>
+            <a:off x="581192" y="457964"/>
+            <a:ext cx="11029615" cy="4673324"/>
           </a:xfrm>
         </p:spPr>
         <p:txBody>
@@ -4446,16 +4517,28 @@
           </a:bodyPr>
           <a:lstStyle/>
           <a:p>
-            <a:pPr marL="305435" indent="-305435"/>
-            <a:r>
-              <a:rPr lang="en-IN" sz="2400" b="1" dirty="0">
+            <a:pPr marL="0" indent="0">
+              <a:buNone/>
+            </a:pPr>
+            <a:r>
+              <a:rPr lang="en-IN" sz="2400" dirty="0">
                 <a:solidFill>
                   <a:srgbClr val="0F0F0F"/>
                 </a:solidFill>
                 <a:ea typeface="+mn-lt"/>
                 <a:cs typeface="+mn-lt"/>
               </a:rPr>
-              <a:t>By combining technology with sustainability</a:t>
+              <a:t>The Eco Lifestyle Agent provides personalized, real-time eco-tips with </a:t>
+            </a:r>
+            <a:r>
+              <a:rPr lang="en-IN" sz="2400" dirty="0" err="1">
+                <a:solidFill>
+                  <a:srgbClr val="0F0F0F"/>
+                </a:solidFill>
+                <a:ea typeface="+mn-lt"/>
+                <a:cs typeface="+mn-lt"/>
+              </a:rPr>
+              <a:t>Watsonx</a:t>
             </a:r>
             <a:r>
               <a:rPr lang="en-IN" sz="2400" dirty="0">
@@ -4465,27 +4548,7 @@
                 <a:ea typeface="+mn-lt"/>
                 <a:cs typeface="+mn-lt"/>
               </a:rPr>
-              <a:t>, this agent helps users make conscious, eco-friendly choices every day. Using </a:t>
-            </a:r>
-            <a:r>
-              <a:rPr lang="en-IN" sz="2400" dirty="0" err="1">
-                <a:solidFill>
-                  <a:srgbClr val="0F0F0F"/>
-                </a:solidFill>
-                <a:ea typeface="+mn-lt"/>
-                <a:cs typeface="+mn-lt"/>
-              </a:rPr>
-              <a:t>Watsonx</a:t>
-            </a:r>
-            <a:r>
-              <a:rPr lang="en-IN" sz="2400" dirty="0">
-                <a:solidFill>
-                  <a:srgbClr val="0F0F0F"/>
-                </a:solidFill>
-                <a:ea typeface="+mn-lt"/>
-                <a:cs typeface="+mn-lt"/>
-              </a:rPr>
-              <a:t> Assistant, it provides relatable, real-time advice and gamified tips that make green living easier. The platform builds lasting habits with a personal touch, encouraging users to take part in protecting the planet.</a:t>
+              <a:t> Assistant. It understands user questions naturally and encourages daily sustainability. It also offers local green suggestions. The assistant is responsive and easy to use, helping users make environmentally friendly choices with ease.</a:t>
             </a:r>
             <a:endParaRPr lang="en-IN" sz="2400" dirty="0">
               <a:ea typeface="+mn-lt"/>
@@ -4497,7 +4560,7 @@
     </p:spTree>
     <p:extLst>
       <p:ext uri="{BB962C8B-B14F-4D97-AF65-F5344CB8AC3E}">
-        <p14:creationId xmlns:p14="http://schemas.microsoft.com/office/powerpoint/2010/main" val="3183315129"/>
+        <p14:creationId xmlns:p14="http://schemas.microsoft.com/office/powerpoint/2010/main" val="1483293388"/>
       </p:ext>
     </p:extLst>
   </p:cSld>
@@ -4512,7 +4575,13 @@
   <p:cSld>
     <p:spTree>
       <p:nvGrpSpPr>
-        <p:cNvPr id="1" name=""/>
+        <p:cNvPr id="1" name="">
+          <a:extLst>
+            <a:ext uri="{FF2B5EF4-FFF2-40B4-BE49-F238E27FC236}">
+              <a16:creationId xmlns:a16="http://schemas.microsoft.com/office/drawing/2014/main" id="{D8E20A80-0184-1251-7E5A-880CDC13631E}"/>
+            </a:ext>
+          </a:extLst>
+        </p:cNvPr>
         <p:cNvGrpSpPr/>
         <p:nvPr/>
       </p:nvGrpSpPr>
@@ -4526,10 +4595,10 @@
       </p:grpSpPr>
       <p:sp>
         <p:nvSpPr>
-          <p:cNvPr id="3" name="Content Placeholder 2">
+          <p:cNvPr id="5" name="Title 4">
             <a:extLst>
               <a:ext uri="{FF2B5EF4-FFF2-40B4-BE49-F238E27FC236}">
-                <a16:creationId xmlns:a16="http://schemas.microsoft.com/office/drawing/2014/main" id="{A6638FD1-D00E-E75B-705C-564F06D93D7B}"/>
+                <a16:creationId xmlns:a16="http://schemas.microsoft.com/office/drawing/2014/main" id="{BADC35C0-4305-FAE4-FBA2-79C6B70A352E}"/>
               </a:ext>
             </a:extLst>
           </p:cNvPr>
@@ -4537,160 +4606,72 @@
             <a:spLocks noGrp="1"/>
           </p:cNvSpPr>
           <p:nvPr>
-            <p:ph idx="1"/>
-          </p:nvPr>
-        </p:nvSpPr>
-        <p:spPr/>
-        <p:txBody>
-          <a:bodyPr vert="horz" lIns="91440" tIns="45720" rIns="91440" bIns="45720" rtlCol="0" anchor="ctr">
-            <a:noAutofit/>
+            <p:ph type="title"/>
+          </p:nvPr>
+        </p:nvSpPr>
+        <p:spPr>
+          <a:xfrm>
+            <a:off x="581192" y="702156"/>
+            <a:ext cx="11029616" cy="670972"/>
+          </a:xfrm>
+        </p:spPr>
+        <p:txBody>
+          <a:bodyPr>
+            <a:normAutofit fontScale="90000"/>
           </a:bodyPr>
           <a:lstStyle/>
           <a:p>
-            <a:pPr marL="0" indent="0">
-              <a:buNone/>
-            </a:pPr>
-            <a:endParaRPr lang="en-US" sz="2000" b="1" dirty="0"/>
-          </a:p>
-          <a:p>
-            <a:pPr marL="305435" indent="-305435"/>
-            <a:r>
-              <a:rPr lang="en-US" sz="2200" dirty="0">
-                <a:ea typeface="+mn-lt"/>
-                <a:cs typeface="+mn-lt"/>
-              </a:rPr>
-              <a:t>In the future, the Eco Lifestyle Agent can develop into a smarter, more engaging sustainability companion. It can connect with IoT and smart home devices to track energy and water use in real time, leading to more accurate eco-suggestions. A personalized eco-dashboard can show user impact, like carbon savings and plastic-free streaks. Voice assistant integration can provide hands-free, real-time advice during daily tasks. With location-based support, the agent can recommend local green events, recycling centers, or public transport options. Adding regional languages would make it available to different communities. Gamified eco-rewards and community challenges would encourage participation and motivation. Partnerships with eco-brands and NGOs can provide exclusive green deals and volunteering opportunities. Finally, by using Watsonx.ai, the agent can become smarter over time and adapt to user habits, creating highly personalized sustainability experiences.</a:t>
-            </a:r>
-          </a:p>
-          <a:p>
-            <a:pPr marL="305435" indent="-305435"/>
-            <a:endParaRPr lang="en-US" sz="2200" dirty="0"/>
-          </a:p>
-        </p:txBody>
-      </p:sp>
-      <p:sp>
-        <p:nvSpPr>
-          <p:cNvPr id="5" name="Title 4">
+            <a:r>
+              <a:rPr lang="en-US" sz="4400" b="1">
+                <a:solidFill>
+                  <a:schemeClr val="accent1"/>
+                </a:solidFill>
+                <a:latin typeface="Arial"/>
+                <a:ea typeface="+mj-lt"/>
+                <a:cs typeface="Arial"/>
+              </a:rPr>
+              <a:t>Result</a:t>
+            </a:r>
+            <a:endParaRPr lang="en-US"/>
+          </a:p>
+        </p:txBody>
+      </p:sp>
+      <p:pic>
+        <p:nvPicPr>
+          <p:cNvPr id="3" name="Content Placeholder 2" descr="A screenshot of a computer screen&#10;&#10;AI-generated content may be incorrect.">
             <a:extLst>
               <a:ext uri="{FF2B5EF4-FFF2-40B4-BE49-F238E27FC236}">
-                <a16:creationId xmlns:a16="http://schemas.microsoft.com/office/drawing/2014/main" id="{3F968F13-9AC4-7120-7ACD-9F752C767D5D}"/>
+                <a16:creationId xmlns:a16="http://schemas.microsoft.com/office/drawing/2014/main" id="{02943698-3BF6-83C6-BF89-51A777010E5D}"/>
               </a:ext>
             </a:extLst>
           </p:cNvPr>
-          <p:cNvSpPr txBox="1">
-            <a:spLocks/>
-          </p:cNvSpPr>
-          <p:nvPr/>
-        </p:nvSpPr>
-        <p:spPr>
-          <a:xfrm>
-            <a:off x="535670" y="844659"/>
-            <a:ext cx="11029616" cy="530296"/>
+          <p:cNvPicPr>
+            <a:picLocks noGrp="1" noChangeAspect="1"/>
+          </p:cNvPicPr>
+          <p:nvPr>
+            <p:ph idx="1"/>
+          </p:nvPr>
+        </p:nvPicPr>
+        <p:blipFill>
+          <a:blip r:embed="rId2"/>
+          <a:stretch>
+            <a:fillRect/>
+          </a:stretch>
+        </p:blipFill>
+        <p:spPr>
+          <a:xfrm>
+            <a:off x="1254369" y="1366831"/>
+            <a:ext cx="9683261" cy="4989188"/>
           </a:xfrm>
           <a:prstGeom prst="rect">
             <a:avLst/>
           </a:prstGeom>
         </p:spPr>
-        <p:txBody>
-          <a:bodyPr vert="horz" lIns="91440" tIns="45720" rIns="91440" bIns="45720" rtlCol="0" anchor="b">
-            <a:normAutofit fontScale="75000" lnSpcReduction="20000"/>
-          </a:bodyPr>
-          <a:lstStyle>
-            <a:lvl1pPr algn="l" defTabSz="457200" rtl="0" eaLnBrk="1" latinLnBrk="0" hangingPunct="1">
-              <a:lnSpc>
-                <a:spcPct val="100000"/>
-              </a:lnSpc>
-              <a:spcBef>
-                <a:spcPct val="0"/>
-              </a:spcBef>
-              <a:buNone/>
-              <a:defRPr sz="2800" b="0" kern="1200" cap="all">
-                <a:solidFill>
-                  <a:schemeClr val="tx1">
-                    <a:lumMod val="75000"/>
-                    <a:lumOff val="25000"/>
-                  </a:schemeClr>
-                </a:solidFill>
-                <a:latin typeface="+mj-lt"/>
-                <a:ea typeface="+mj-ea"/>
-                <a:cs typeface="+mj-cs"/>
-              </a:defRPr>
-            </a:lvl1pPr>
-            <a:lvl2pPr eaLnBrk="1" hangingPunct="1">
-              <a:defRPr>
-                <a:solidFill>
-                  <a:schemeClr val="tx2"/>
-                </a:solidFill>
-              </a:defRPr>
-            </a:lvl2pPr>
-            <a:lvl3pPr eaLnBrk="1" hangingPunct="1">
-              <a:defRPr>
-                <a:solidFill>
-                  <a:schemeClr val="tx2"/>
-                </a:solidFill>
-              </a:defRPr>
-            </a:lvl3pPr>
-            <a:lvl4pPr eaLnBrk="1" hangingPunct="1">
-              <a:defRPr>
-                <a:solidFill>
-                  <a:schemeClr val="tx2"/>
-                </a:solidFill>
-              </a:defRPr>
-            </a:lvl4pPr>
-            <a:lvl5pPr eaLnBrk="1" hangingPunct="1">
-              <a:defRPr>
-                <a:solidFill>
-                  <a:schemeClr val="tx2"/>
-                </a:solidFill>
-              </a:defRPr>
-            </a:lvl5pPr>
-            <a:lvl6pPr eaLnBrk="1" hangingPunct="1">
-              <a:defRPr>
-                <a:solidFill>
-                  <a:schemeClr val="tx2"/>
-                </a:solidFill>
-              </a:defRPr>
-            </a:lvl6pPr>
-            <a:lvl7pPr eaLnBrk="1" hangingPunct="1">
-              <a:defRPr>
-                <a:solidFill>
-                  <a:schemeClr val="tx2"/>
-                </a:solidFill>
-              </a:defRPr>
-            </a:lvl7pPr>
-            <a:lvl8pPr eaLnBrk="1" hangingPunct="1">
-              <a:defRPr>
-                <a:solidFill>
-                  <a:schemeClr val="tx2"/>
-                </a:solidFill>
-              </a:defRPr>
-            </a:lvl8pPr>
-            <a:lvl9pPr eaLnBrk="1" hangingPunct="1">
-              <a:defRPr>
-                <a:solidFill>
-                  <a:schemeClr val="tx2"/>
-                </a:solidFill>
-              </a:defRPr>
-            </a:lvl9pPr>
-          </a:lstStyle>
-          <a:p>
-            <a:r>
-              <a:rPr lang="en-US" sz="4400" b="1" dirty="0">
-                <a:solidFill>
-                  <a:schemeClr val="accent1"/>
-                </a:solidFill>
-                <a:latin typeface="Arial"/>
-                <a:cs typeface="Arial"/>
-              </a:rPr>
-              <a:t>Future scope</a:t>
-            </a:r>
-          </a:p>
-        </p:txBody>
-      </p:sp>
+      </p:pic>
     </p:spTree>
     <p:extLst>
       <p:ext uri="{BB962C8B-B14F-4D97-AF65-F5344CB8AC3E}">
-        <p14:creationId xmlns:p14="http://schemas.microsoft.com/office/powerpoint/2010/main" val="614882681"/>
+        <p14:creationId xmlns:p14="http://schemas.microsoft.com/office/powerpoint/2010/main" val="308685969"/>
       </p:ext>
     </p:extLst>
   </p:cSld>
@@ -4705,7 +4686,13 @@
   <p:cSld>
     <p:spTree>
       <p:nvGrpSpPr>
-        <p:cNvPr id="1" name=""/>
+        <p:cNvPr id="1" name="">
+          <a:extLst>
+            <a:ext uri="{FF2B5EF4-FFF2-40B4-BE49-F238E27FC236}">
+              <a16:creationId xmlns:a16="http://schemas.microsoft.com/office/drawing/2014/main" id="{E3FFE05F-149D-7D34-0D94-230967A65023}"/>
+            </a:ext>
+          </a:extLst>
+        </p:cNvPr>
         <p:cNvGrpSpPr/>
         <p:nvPr/>
       </p:nvGrpSpPr>
@@ -4722,7 +4709,7 @@
           <p:cNvPr id="5" name="Title 4">
             <a:extLst>
               <a:ext uri="{FF2B5EF4-FFF2-40B4-BE49-F238E27FC236}">
-                <a16:creationId xmlns:a16="http://schemas.microsoft.com/office/drawing/2014/main" id="{8FBA75B4-2DD5-42EB-9397-F36BFB8BA723}"/>
+                <a16:creationId xmlns:a16="http://schemas.microsoft.com/office/drawing/2014/main" id="{8424F9EF-AD83-F45A-ADB0-02066FBF2BD4}"/>
               </a:ext>
             </a:extLst>
           </p:cNvPr>
@@ -4733,7 +4720,12 @@
             <p:ph type="title"/>
           </p:nvPr>
         </p:nvSpPr>
-        <p:spPr/>
+        <p:spPr>
+          <a:xfrm>
+            <a:off x="581192" y="702156"/>
+            <a:ext cx="11029616" cy="670972"/>
+          </a:xfrm>
+        </p:spPr>
         <p:txBody>
           <a:bodyPr>
             <a:normAutofit fontScale="90000"/>
@@ -4749,330 +4741,80 @@
                 <a:ea typeface="+mj-lt"/>
                 <a:cs typeface="Arial"/>
               </a:rPr>
-              <a:t>References</a:t>
+              <a:t>Result</a:t>
             </a:r>
             <a:endParaRPr lang="en-US"/>
           </a:p>
         </p:txBody>
       </p:sp>
-      <p:sp>
-        <p:nvSpPr>
-          <p:cNvPr id="2" name="Content Placeholder 1">
+      <p:pic>
+        <p:nvPicPr>
+          <p:cNvPr id="6" name="Content Placeholder 5" descr="A screenshot of a computer&#10;&#10;AI-generated content may be incorrect.">
             <a:extLst>
               <a:ext uri="{FF2B5EF4-FFF2-40B4-BE49-F238E27FC236}">
-                <a16:creationId xmlns:a16="http://schemas.microsoft.com/office/drawing/2014/main" id="{357C38BC-22B3-37B2-E0C3-812020A76077}"/>
+                <a16:creationId xmlns:a16="http://schemas.microsoft.com/office/drawing/2014/main" id="{EF79D0E8-D789-A8EE-82C3-5D2F7CA21FD5}"/>
               </a:ext>
             </a:extLst>
           </p:cNvPr>
-          <p:cNvSpPr>
-            <a:spLocks noGrp="1"/>
-          </p:cNvSpPr>
+          <p:cNvPicPr>
+            <a:picLocks noGrp="1" noChangeAspect="1"/>
+          </p:cNvPicPr>
           <p:nvPr>
             <p:ph idx="1"/>
           </p:nvPr>
-        </p:nvSpPr>
-        <p:spPr>
-          <a:xfrm>
-            <a:off x="581192" y="1417045"/>
-            <a:ext cx="11017892" cy="4944281"/>
-          </a:xfrm>
-        </p:spPr>
-        <p:txBody>
-          <a:bodyPr>
-            <a:normAutofit fontScale="92500" lnSpcReduction="20000"/>
-          </a:bodyPr>
-          <a:lstStyle/>
-          <a:p>
-            <a:pPr marL="0" indent="0">
-              <a:buNone/>
-            </a:pPr>
-            <a:r>
-              <a:rPr lang="en-IN" sz="2400" b="1" err="1">
-                <a:solidFill>
-                  <a:srgbClr val="0F0F0F"/>
-                </a:solidFill>
-              </a:rPr>
-              <a:t>ChatGpt</a:t>
-            </a:r>
-            <a:r>
-              <a:rPr lang="en-IN" sz="2400" dirty="0">
-                <a:solidFill>
-                  <a:srgbClr val="0F0F0F"/>
-                </a:solidFill>
-              </a:rPr>
-              <a:t>- </a:t>
-            </a:r>
-            <a:r>
-              <a:rPr lang="en-IN" sz="2400" dirty="0">
-                <a:solidFill>
-                  <a:srgbClr val="0F0F0F"/>
-                </a:solidFill>
-                <a:ea typeface="+mn-lt"/>
-                <a:cs typeface="+mn-lt"/>
-              </a:rPr>
-              <a:t>Conceptualized &amp; co-developed with OpenAI ChatGPT for intelligent eco            guidance </a:t>
-            </a:r>
-            <a:endParaRPr lang="en-IN">
-              <a:ea typeface="+mn-lt"/>
-              <a:cs typeface="+mn-lt"/>
-            </a:endParaRPr>
-          </a:p>
-          <a:p>
-            <a:pPr marL="0" indent="0">
-              <a:buNone/>
-            </a:pPr>
-            <a:r>
-              <a:rPr lang="en-IN" sz="2400" dirty="0">
-                <a:ea typeface="+mn-lt"/>
-                <a:cs typeface="+mn-lt"/>
-                <a:hlinkClick r:id="rId2"/>
-              </a:rPr>
-              <a:t>ChatGPT</a:t>
-            </a:r>
-            <a:endParaRPr lang="en-IN" dirty="0">
-              <a:ea typeface="+mn-lt"/>
-              <a:cs typeface="+mn-lt"/>
-            </a:endParaRPr>
-          </a:p>
-          <a:p>
-            <a:pPr marL="0" indent="0">
-              <a:buNone/>
-            </a:pPr>
-            <a:r>
-              <a:rPr lang="en-IN" sz="2400" b="1" dirty="0">
-                <a:solidFill>
-                  <a:srgbClr val="0F0F0F"/>
-                </a:solidFill>
-                <a:ea typeface="+mn-lt"/>
-                <a:cs typeface="+mn-lt"/>
-              </a:rPr>
-              <a:t>UN Environment Programme (UNEP)</a:t>
-            </a:r>
-            <a:r>
-              <a:rPr lang="en-IN" sz="2400" dirty="0">
-                <a:solidFill>
-                  <a:srgbClr val="0F0F0F"/>
-                </a:solidFill>
-                <a:ea typeface="+mn-lt"/>
-                <a:cs typeface="+mn-lt"/>
-              </a:rPr>
-              <a:t>– Global eco-tips, sustainable lifestyle resources</a:t>
-            </a:r>
-            <a:endParaRPr lang="en-IN">
-              <a:solidFill>
-                <a:srgbClr val="404040"/>
-              </a:solidFill>
-              <a:ea typeface="+mn-lt"/>
-              <a:cs typeface="+mn-lt"/>
-            </a:endParaRPr>
-          </a:p>
-          <a:p>
-            <a:pPr marL="0" indent="0">
-              <a:buNone/>
-            </a:pPr>
-            <a:r>
-              <a:rPr lang="en-IN" sz="2400" dirty="0">
-                <a:ea typeface="+mn-lt"/>
-                <a:cs typeface="+mn-lt"/>
-                <a:hlinkClick r:id="rId3"/>
-              </a:rPr>
-              <a:t>UNEP </a:t>
-            </a:r>
-            <a:endParaRPr lang="en-IN" dirty="0">
-              <a:solidFill>
-                <a:srgbClr val="404040"/>
-              </a:solidFill>
-              <a:ea typeface="+mn-lt"/>
-              <a:cs typeface="+mn-lt"/>
-            </a:endParaRPr>
-          </a:p>
-          <a:p>
-            <a:pPr marL="0" indent="0">
-              <a:buNone/>
-            </a:pPr>
-            <a:r>
-              <a:rPr lang="en-IN" sz="2400" b="1" dirty="0">
-                <a:solidFill>
-                  <a:srgbClr val="0F0F0F"/>
-                </a:solidFill>
-                <a:ea typeface="+mn-lt"/>
-                <a:cs typeface="+mn-lt"/>
-              </a:rPr>
-              <a:t>MNRE (Ministry of New and Renewable Energy)</a:t>
-            </a:r>
-            <a:r>
-              <a:rPr lang="en-IN" sz="2400" dirty="0">
-                <a:solidFill>
-                  <a:srgbClr val="0F0F0F"/>
-                </a:solidFill>
-                <a:ea typeface="+mn-lt"/>
-                <a:cs typeface="+mn-lt"/>
-              </a:rPr>
-              <a:t> – Solar rooftop, EV &amp; green energy    schemes</a:t>
-            </a:r>
-            <a:br>
-              <a:rPr lang="en-IN" sz="2400" dirty="0">
-                <a:solidFill>
-                  <a:srgbClr val="0F0F0F"/>
-                </a:solidFill>
-                <a:ea typeface="+mn-lt"/>
-                <a:cs typeface="+mn-lt"/>
-              </a:rPr>
-            </a:br>
-            <a:r>
-              <a:rPr lang="en-IN" sz="2400" dirty="0">
-                <a:ea typeface="+mn-lt"/>
-                <a:cs typeface="+mn-lt"/>
-                <a:hlinkClick r:id="rId4"/>
-              </a:rPr>
-              <a:t>MNRE</a:t>
-            </a:r>
-            <a:endParaRPr lang="en-IN">
-              <a:ea typeface="+mn-lt"/>
-              <a:cs typeface="+mn-lt"/>
-            </a:endParaRPr>
-          </a:p>
-          <a:p>
-            <a:pPr marL="0" indent="0">
-              <a:buNone/>
-            </a:pPr>
-            <a:r>
-              <a:rPr lang="en-IN" sz="2400" b="1" dirty="0" err="1">
-                <a:solidFill>
-                  <a:srgbClr val="0F0F0F"/>
-                </a:solidFill>
-                <a:ea typeface="+mn-lt"/>
-                <a:cs typeface="+mn-lt"/>
-              </a:rPr>
-              <a:t>MoEFCC</a:t>
-            </a:r>
-            <a:r>
-              <a:rPr lang="en-IN" sz="2400" b="1" dirty="0">
-                <a:solidFill>
-                  <a:srgbClr val="0F0F0F"/>
-                </a:solidFill>
-                <a:ea typeface="+mn-lt"/>
-                <a:cs typeface="+mn-lt"/>
-              </a:rPr>
-              <a:t> (India Environment Ministry)</a:t>
-            </a:r>
-            <a:r>
-              <a:rPr lang="en-IN" sz="2400" dirty="0">
-                <a:solidFill>
-                  <a:srgbClr val="0F0F0F"/>
-                </a:solidFill>
-                <a:ea typeface="+mn-lt"/>
-                <a:cs typeface="+mn-lt"/>
-              </a:rPr>
-              <a:t> – Govt. schemes, recycling rules, plastic bans</a:t>
-            </a:r>
-            <a:endParaRPr lang="en-IN">
-              <a:solidFill>
-                <a:srgbClr val="404040"/>
-              </a:solidFill>
-              <a:ea typeface="+mn-lt"/>
-              <a:cs typeface="+mn-lt"/>
-            </a:endParaRPr>
-          </a:p>
-          <a:p>
-            <a:pPr marL="0" indent="0">
-              <a:buNone/>
-            </a:pPr>
-            <a:r>
-              <a:rPr lang="en-IN" sz="2400" dirty="0">
-                <a:ea typeface="+mn-lt"/>
-                <a:cs typeface="+mn-lt"/>
-                <a:hlinkClick r:id="rId5"/>
-              </a:rPr>
-              <a:t>MoEFCC</a:t>
-            </a:r>
-            <a:endParaRPr lang="en-IN" dirty="0"/>
-          </a:p>
-          <a:p>
-            <a:pPr marL="0" indent="0">
-              <a:buNone/>
-            </a:pPr>
-            <a:r>
-              <a:rPr lang="en-IN" sz="2400" b="1" dirty="0">
-                <a:solidFill>
-                  <a:srgbClr val="0F0F0F"/>
-                </a:solidFill>
-                <a:ea typeface="+mn-lt"/>
-                <a:cs typeface="+mn-lt"/>
-              </a:rPr>
-              <a:t>Watson Assistant Documentation</a:t>
-            </a:r>
-            <a:r>
-              <a:rPr lang="en-IN" sz="2400" dirty="0">
-                <a:solidFill>
-                  <a:srgbClr val="0F0F0F"/>
-                </a:solidFill>
-                <a:ea typeface="+mn-lt"/>
-                <a:cs typeface="+mn-lt"/>
-              </a:rPr>
-              <a:t> – IBM setup, training, and integration help</a:t>
-            </a:r>
-            <a:r>
-              <a:rPr lang="en-IN" sz="2400" i="1" dirty="0">
-                <a:solidFill>
-                  <a:srgbClr val="0F0F0F"/>
-                </a:solidFill>
-                <a:ea typeface="+mn-lt"/>
-                <a:cs typeface="+mn-lt"/>
-              </a:rPr>
-              <a:t> </a:t>
-            </a:r>
-            <a:r>
-              <a:rPr lang="en-IN" sz="2400" dirty="0">
-                <a:solidFill>
-                  <a:srgbClr val="0F0F0F"/>
-                </a:solidFill>
-                <a:ea typeface="+mn-lt"/>
-                <a:cs typeface="+mn-lt"/>
-              </a:rPr>
-              <a:t>:</a:t>
-            </a:r>
-            <a:endParaRPr lang="en-IN" dirty="0">
-              <a:solidFill>
-                <a:srgbClr val="404040"/>
-              </a:solidFill>
-              <a:ea typeface="+mn-lt"/>
-              <a:cs typeface="+mn-lt"/>
-            </a:endParaRPr>
-          </a:p>
-          <a:p>
-            <a:pPr marL="0" indent="0">
-              <a:buNone/>
-            </a:pPr>
-            <a:r>
-              <a:rPr lang="en-IN" sz="2400" dirty="0">
-                <a:solidFill>
-                  <a:srgbClr val="0F0F0F"/>
-                </a:solidFill>
-                <a:ea typeface="+mn-lt"/>
-                <a:cs typeface="+mn-lt"/>
-                <a:hlinkClick r:id="rId6"/>
-              </a:rPr>
-              <a:t>IBM Cloud Docs</a:t>
-            </a:r>
-            <a:endParaRPr lang="en-IN" dirty="0">
-              <a:hlinkClick r:id="rId6"/>
-            </a:endParaRPr>
-          </a:p>
-          <a:p>
-            <a:pPr marL="305435" indent="-305435"/>
-            <a:endParaRPr lang="en-IN" sz="2400" dirty="0">
-              <a:solidFill>
-                <a:srgbClr val="0F0F0F"/>
-              </a:solidFill>
-            </a:endParaRPr>
-          </a:p>
-        </p:txBody>
-      </p:sp>
+        </p:nvPicPr>
+        <p:blipFill>
+          <a:blip r:embed="rId2"/>
+          <a:srcRect l="65962" t="16554" r="-385" b="-25"/>
+          <a:stretch>
+            <a:fillRect/>
+          </a:stretch>
+        </p:blipFill>
+        <p:spPr>
+          <a:xfrm>
+            <a:off x="1277815" y="1364747"/>
+            <a:ext cx="4337546" cy="4817626"/>
+          </a:xfrm>
+          <a:prstGeom prst="rect">
+            <a:avLst/>
+          </a:prstGeom>
+        </p:spPr>
+      </p:pic>
+      <p:pic>
+        <p:nvPicPr>
+          <p:cNvPr id="7" name="Picture 6" descr="A screenshot of a computer&#10;&#10;AI-generated content may be incorrect.">
+            <a:extLst>
+              <a:ext uri="{FF2B5EF4-FFF2-40B4-BE49-F238E27FC236}">
+                <a16:creationId xmlns:a16="http://schemas.microsoft.com/office/drawing/2014/main" id="{3B895159-1EAA-79D6-BC11-370AB1FCA510}"/>
+              </a:ext>
+            </a:extLst>
+          </p:cNvPr>
+          <p:cNvPicPr>
+            <a:picLocks noChangeAspect="1"/>
+          </p:cNvPicPr>
+          <p:nvPr/>
+        </p:nvPicPr>
+        <p:blipFill>
+          <a:blip r:embed="rId3"/>
+          <a:srcRect l="66169" t="15249" r="-332" b="4667"/>
+          <a:stretch>
+            <a:fillRect/>
+          </a:stretch>
+        </p:blipFill>
+        <p:spPr>
+          <a:xfrm>
+            <a:off x="6752494" y="1375752"/>
+            <a:ext cx="4325821" cy="4819227"/>
+          </a:xfrm>
+          <a:prstGeom prst="rect">
+            <a:avLst/>
+          </a:prstGeom>
+        </p:spPr>
+      </p:pic>
     </p:spTree>
     <p:extLst>
       <p:ext uri="{BB962C8B-B14F-4D97-AF65-F5344CB8AC3E}">
-        <p14:creationId xmlns:p14="http://schemas.microsoft.com/office/powerpoint/2010/main" val="728950222"/>
+        <p14:creationId xmlns:p14="http://schemas.microsoft.com/office/powerpoint/2010/main" val="2164494571"/>
       </p:ext>
     </p:extLst>
   </p:cSld>
@@ -5101,10 +4843,10 @@
       </p:grpSpPr>
       <p:sp>
         <p:nvSpPr>
-          <p:cNvPr id="2" name="Title 1">
+          <p:cNvPr id="5" name="Title 4">
             <a:extLst>
               <a:ext uri="{FF2B5EF4-FFF2-40B4-BE49-F238E27FC236}">
-                <a16:creationId xmlns:a16="http://schemas.microsoft.com/office/drawing/2014/main" id="{3A492E52-0C9E-7CCC-47E8-5C4711AD23FE}"/>
+                <a16:creationId xmlns:a16="http://schemas.microsoft.com/office/drawing/2014/main" id="{8FBA75B4-2DD5-42EB-9397-F36BFB8BA723}"/>
               </a:ext>
             </a:extLst>
           </p:cNvPr>
@@ -5115,58 +4857,113 @@
             <p:ph type="title"/>
           </p:nvPr>
         </p:nvSpPr>
-        <p:spPr/>
-        <p:txBody>
-          <a:bodyPr/>
+        <p:spPr>
+          <a:xfrm>
+            <a:off x="581192" y="702156"/>
+            <a:ext cx="11029616" cy="753034"/>
+          </a:xfrm>
+        </p:spPr>
+        <p:txBody>
+          <a:bodyPr>
+            <a:normAutofit fontScale="90000"/>
+          </a:bodyPr>
           <a:lstStyle/>
           <a:p>
             <a:r>
-              <a:rPr lang="en-IN" dirty="0">
+              <a:rPr lang="en-US" sz="4400" b="1">
                 <a:solidFill>
                   <a:schemeClr val="accent1"/>
                 </a:solidFill>
-              </a:rPr>
-              <a:t>IBM Certifications</a:t>
-            </a:r>
-          </a:p>
-        </p:txBody>
-      </p:sp>
-      <p:pic>
-        <p:nvPicPr>
-          <p:cNvPr id="4" name="Content Placeholder 3" descr="A blue and white card with a picture of a person&#10;&#10;AI-generated content may be incorrect.">
+                <a:latin typeface="Arial"/>
+                <a:ea typeface="+mj-lt"/>
+                <a:cs typeface="Arial"/>
+              </a:rPr>
+              <a:t>Conclusion</a:t>
+            </a:r>
+            <a:endParaRPr lang="en-US"/>
+          </a:p>
+        </p:txBody>
+      </p:sp>
+      <p:sp>
+        <p:nvSpPr>
+          <p:cNvPr id="2" name="Content Placeholder 1">
             <a:extLst>
               <a:ext uri="{FF2B5EF4-FFF2-40B4-BE49-F238E27FC236}">
-                <a16:creationId xmlns:a16="http://schemas.microsoft.com/office/drawing/2014/main" id="{385A2BC2-DC6B-CDC3-8D6A-31CF06FF5375}"/>
+                <a16:creationId xmlns:a16="http://schemas.microsoft.com/office/drawing/2014/main" id="{005E46AB-32C4-4B57-A2B1-50738A64BE1B}"/>
               </a:ext>
             </a:extLst>
           </p:cNvPr>
-          <p:cNvPicPr>
-            <a:picLocks noGrp="1" noChangeAspect="1"/>
-          </p:cNvPicPr>
+          <p:cNvSpPr>
+            <a:spLocks noGrp="1"/>
+          </p:cNvSpPr>
           <p:nvPr>
             <p:ph idx="1"/>
           </p:nvPr>
-        </p:nvPicPr>
-        <p:blipFill>
-          <a:blip r:embed="rId2"/>
-          <a:stretch>
-            <a:fillRect/>
-          </a:stretch>
-        </p:blipFill>
-        <p:spPr>
-          <a:xfrm>
-            <a:off x="3109156" y="1483662"/>
-            <a:ext cx="5977659" cy="4529416"/>
-          </a:xfrm>
-          <a:prstGeom prst="rect">
-            <a:avLst/>
-          </a:prstGeom>
-        </p:spPr>
-      </p:pic>
+        </p:nvSpPr>
+        <p:spPr>
+          <a:xfrm>
+            <a:off x="581192" y="-667450"/>
+            <a:ext cx="11029615" cy="7100000"/>
+          </a:xfrm>
+        </p:spPr>
+        <p:txBody>
+          <a:bodyPr>
+            <a:normAutofit/>
+          </a:bodyPr>
+          <a:lstStyle/>
+          <a:p>
+            <a:pPr marL="305435" indent="-305435"/>
+            <a:r>
+              <a:rPr lang="en-IN" sz="2400" b="1" dirty="0">
+                <a:solidFill>
+                  <a:srgbClr val="0F0F0F"/>
+                </a:solidFill>
+                <a:ea typeface="+mn-lt"/>
+                <a:cs typeface="+mn-lt"/>
+              </a:rPr>
+              <a:t>By combining technology with sustainability</a:t>
+            </a:r>
+            <a:r>
+              <a:rPr lang="en-IN" sz="2400" dirty="0">
+                <a:solidFill>
+                  <a:srgbClr val="0F0F0F"/>
+                </a:solidFill>
+                <a:ea typeface="+mn-lt"/>
+                <a:cs typeface="+mn-lt"/>
+              </a:rPr>
+              <a:t>, this agent helps users make conscious, eco-friendly choices every day. Using </a:t>
+            </a:r>
+            <a:r>
+              <a:rPr lang="en-IN" sz="2400" dirty="0" err="1">
+                <a:solidFill>
+                  <a:srgbClr val="0F0F0F"/>
+                </a:solidFill>
+                <a:ea typeface="+mn-lt"/>
+                <a:cs typeface="+mn-lt"/>
+              </a:rPr>
+              <a:t>Watsonx</a:t>
+            </a:r>
+            <a:r>
+              <a:rPr lang="en-IN" sz="2400" dirty="0">
+                <a:solidFill>
+                  <a:srgbClr val="0F0F0F"/>
+                </a:solidFill>
+                <a:ea typeface="+mn-lt"/>
+                <a:cs typeface="+mn-lt"/>
+              </a:rPr>
+              <a:t> Assistant, it provides relatable, real-time advice and gamified tips that make green living easier. The platform builds lasting habits with a personal touch, encouraging users to take part in protecting the planet.</a:t>
+            </a:r>
+            <a:endParaRPr lang="en-IN" sz="2400" dirty="0">
+              <a:ea typeface="+mn-lt"/>
+              <a:cs typeface="+mn-lt"/>
+            </a:endParaRPr>
+          </a:p>
+        </p:txBody>
+      </p:sp>
     </p:spTree>
     <p:extLst>
       <p:ext uri="{BB962C8B-B14F-4D97-AF65-F5344CB8AC3E}">
-        <p14:creationId xmlns:p14="http://schemas.microsoft.com/office/powerpoint/2010/main" val="384733178"/>
+        <p14:creationId xmlns:p14="http://schemas.microsoft.com/office/powerpoint/2010/main" val="3183315129"/>
       </p:ext>
     </p:extLst>
   </p:cSld>
@@ -5195,10 +4992,10 @@
       </p:grpSpPr>
       <p:sp>
         <p:nvSpPr>
-          <p:cNvPr id="2" name="Title 1">
+          <p:cNvPr id="3" name="Content Placeholder 2">
             <a:extLst>
               <a:ext uri="{FF2B5EF4-FFF2-40B4-BE49-F238E27FC236}">
-                <a16:creationId xmlns:a16="http://schemas.microsoft.com/office/drawing/2014/main" id="{3A492E52-0C9E-7CCC-47E8-5C4711AD23FE}"/>
+                <a16:creationId xmlns:a16="http://schemas.microsoft.com/office/drawing/2014/main" id="{A6638FD1-D00E-E75B-705C-564F06D93D7B}"/>
               </a:ext>
             </a:extLst>
           </p:cNvPr>
@@ -5206,61 +5003,201 @@
             <a:spLocks noGrp="1"/>
           </p:cNvSpPr>
           <p:nvPr>
-            <p:ph type="title"/>
-          </p:nvPr>
-        </p:nvSpPr>
-        <p:spPr/>
-        <p:txBody>
-          <a:bodyPr/>
+            <p:ph idx="1"/>
+          </p:nvPr>
+        </p:nvSpPr>
+        <p:spPr>
+          <a:xfrm>
+            <a:off x="534300" y="3189441"/>
+            <a:ext cx="10771709" cy="1730833"/>
+          </a:xfrm>
+        </p:spPr>
+        <p:txBody>
+          <a:bodyPr vert="horz" lIns="91440" tIns="45720" rIns="91440" bIns="45720" rtlCol="0" anchor="ctr">
+            <a:noAutofit/>
+          </a:bodyPr>
           <a:lstStyle/>
           <a:p>
-            <a:r>
-              <a:rPr lang="en-IN" dirty="0">
-                <a:solidFill>
-                  <a:schemeClr val="accent1"/>
-                </a:solidFill>
-              </a:rPr>
-              <a:t>IBM Certifications</a:t>
-            </a:r>
-          </a:p>
-        </p:txBody>
-      </p:sp>
-      <p:pic>
-        <p:nvPicPr>
-          <p:cNvPr id="4" name="Content Placeholder 3" descr="A blue and white card with a blue border&#10;&#10;AI-generated content may be incorrect.">
+            <a:pPr marL="305435" indent="-305435">
+              <a:buNone/>
+            </a:pPr>
+            <a:r>
+              <a:rPr lang="en-US" sz="2800" dirty="0">
+                <a:ea typeface="+mn-lt"/>
+                <a:cs typeface="+mn-lt"/>
+              </a:rPr>
+              <a:t>• The Eco Lifestyle Agent can work with IoT devices to monitor energy and water use in real time.</a:t>
+            </a:r>
+            <a:endParaRPr lang="en-US"/>
+          </a:p>
+          <a:p>
+            <a:pPr marL="305435" indent="-305435">
+              <a:buNone/>
+            </a:pPr>
+            <a:r>
+              <a:rPr lang="en-US" sz="2800" dirty="0">
+                <a:ea typeface="+mn-lt"/>
+                <a:cs typeface="+mn-lt"/>
+              </a:rPr>
+              <a:t>• Location-based suggestions can help users find local recycling centers, green events, and transport options.</a:t>
+            </a:r>
+            <a:endParaRPr lang="en-US"/>
+          </a:p>
+          <a:p>
+            <a:pPr marL="305435" indent="-305435">
+              <a:buNone/>
+            </a:pPr>
+            <a:r>
+              <a:rPr lang="en-US" sz="2800" dirty="0">
+                <a:ea typeface="+mn-lt"/>
+                <a:cs typeface="+mn-lt"/>
+              </a:rPr>
+              <a:t>• Gamified rewards and community challenges can increase user engagement and motivation.</a:t>
+            </a:r>
+            <a:endParaRPr lang="en-US" sz="2800" dirty="0"/>
+          </a:p>
+          <a:p>
+            <a:pPr marL="0" indent="0">
+              <a:buNone/>
+            </a:pPr>
+            <a:r>
+              <a:rPr lang="en-US" sz="2800" dirty="0">
+                <a:ea typeface="+mn-lt"/>
+                <a:cs typeface="+mn-lt"/>
+              </a:rPr>
+              <a:t>• With Watsonx.ai, the agent will learn and adjust to user habits, making sustainability very personalized.</a:t>
+            </a:r>
+            <a:endParaRPr lang="en-US" dirty="0"/>
+          </a:p>
+          <a:p>
+            <a:pPr marL="305435" indent="-305435"/>
+            <a:endParaRPr lang="en-US" sz="2800" dirty="0"/>
+          </a:p>
+        </p:txBody>
+      </p:sp>
+      <p:sp>
+        <p:nvSpPr>
+          <p:cNvPr id="5" name="Title 4">
             <a:extLst>
               <a:ext uri="{FF2B5EF4-FFF2-40B4-BE49-F238E27FC236}">
-                <a16:creationId xmlns:a16="http://schemas.microsoft.com/office/drawing/2014/main" id="{2EA47B91-C6DE-955C-8178-21434F71B18B}"/>
+                <a16:creationId xmlns:a16="http://schemas.microsoft.com/office/drawing/2014/main" id="{3F968F13-9AC4-7120-7ACD-9F752C767D5D}"/>
               </a:ext>
             </a:extLst>
           </p:cNvPr>
-          <p:cNvPicPr>
-            <a:picLocks noGrp="1" noChangeAspect="1"/>
-          </p:cNvPicPr>
-          <p:nvPr>
-            <p:ph idx="1"/>
-          </p:nvPr>
-        </p:nvPicPr>
-        <p:blipFill>
-          <a:blip r:embed="rId2"/>
-          <a:stretch>
-            <a:fillRect/>
-          </a:stretch>
-        </p:blipFill>
-        <p:spPr>
-          <a:xfrm>
-            <a:off x="3160677" y="1420096"/>
-            <a:ext cx="5869612" cy="4650098"/>
+          <p:cNvSpPr txBox="1">
+            <a:spLocks/>
+          </p:cNvSpPr>
+          <p:nvPr/>
+        </p:nvSpPr>
+        <p:spPr>
+          <a:xfrm>
+            <a:off x="535670" y="844659"/>
+            <a:ext cx="11029616" cy="530296"/>
           </a:xfrm>
           <a:prstGeom prst="rect">
             <a:avLst/>
           </a:prstGeom>
         </p:spPr>
-      </p:pic>
+        <p:txBody>
+          <a:bodyPr vert="horz" lIns="91440" tIns="45720" rIns="91440" bIns="45720" rtlCol="0" anchor="b">
+            <a:normAutofit fontScale="75000" lnSpcReduction="20000"/>
+          </a:bodyPr>
+          <a:lstStyle>
+            <a:lvl1pPr algn="l" defTabSz="457200" rtl="0" eaLnBrk="1" latinLnBrk="0" hangingPunct="1">
+              <a:lnSpc>
+                <a:spcPct val="100000"/>
+              </a:lnSpc>
+              <a:spcBef>
+                <a:spcPct val="0"/>
+              </a:spcBef>
+              <a:buNone/>
+              <a:defRPr sz="2800" b="0" kern="1200" cap="all">
+                <a:solidFill>
+                  <a:schemeClr val="tx1">
+                    <a:lumMod val="75000"/>
+                    <a:lumOff val="25000"/>
+                  </a:schemeClr>
+                </a:solidFill>
+                <a:latin typeface="+mj-lt"/>
+                <a:ea typeface="+mj-ea"/>
+                <a:cs typeface="+mj-cs"/>
+              </a:defRPr>
+            </a:lvl1pPr>
+            <a:lvl2pPr eaLnBrk="1" hangingPunct="1">
+              <a:defRPr>
+                <a:solidFill>
+                  <a:schemeClr val="tx2"/>
+                </a:solidFill>
+              </a:defRPr>
+            </a:lvl2pPr>
+            <a:lvl3pPr eaLnBrk="1" hangingPunct="1">
+              <a:defRPr>
+                <a:solidFill>
+                  <a:schemeClr val="tx2"/>
+                </a:solidFill>
+              </a:defRPr>
+            </a:lvl3pPr>
+            <a:lvl4pPr eaLnBrk="1" hangingPunct="1">
+              <a:defRPr>
+                <a:solidFill>
+                  <a:schemeClr val="tx2"/>
+                </a:solidFill>
+              </a:defRPr>
+            </a:lvl4pPr>
+            <a:lvl5pPr eaLnBrk="1" hangingPunct="1">
+              <a:defRPr>
+                <a:solidFill>
+                  <a:schemeClr val="tx2"/>
+                </a:solidFill>
+              </a:defRPr>
+            </a:lvl5pPr>
+            <a:lvl6pPr eaLnBrk="1" hangingPunct="1">
+              <a:defRPr>
+                <a:solidFill>
+                  <a:schemeClr val="tx2"/>
+                </a:solidFill>
+              </a:defRPr>
+            </a:lvl6pPr>
+            <a:lvl7pPr eaLnBrk="1" hangingPunct="1">
+              <a:defRPr>
+                <a:solidFill>
+                  <a:schemeClr val="tx2"/>
+                </a:solidFill>
+              </a:defRPr>
+            </a:lvl7pPr>
+            <a:lvl8pPr eaLnBrk="1" hangingPunct="1">
+              <a:defRPr>
+                <a:solidFill>
+                  <a:schemeClr val="tx2"/>
+                </a:solidFill>
+              </a:defRPr>
+            </a:lvl8pPr>
+            <a:lvl9pPr eaLnBrk="1" hangingPunct="1">
+              <a:defRPr>
+                <a:solidFill>
+                  <a:schemeClr val="tx2"/>
+                </a:solidFill>
+              </a:defRPr>
+            </a:lvl9pPr>
+          </a:lstStyle>
+          <a:p>
+            <a:r>
+              <a:rPr lang="en-US" sz="4400" b="1" dirty="0">
+                <a:solidFill>
+                  <a:schemeClr val="accent1"/>
+                </a:solidFill>
+                <a:latin typeface="Arial"/>
+                <a:cs typeface="Arial"/>
+              </a:rPr>
+              <a:t>Future scope</a:t>
+            </a:r>
+          </a:p>
+        </p:txBody>
+      </p:sp>
     </p:spTree>
     <p:extLst>
       <p:ext uri="{BB962C8B-B14F-4D97-AF65-F5344CB8AC3E}">
-        <p14:creationId xmlns:p14="http://schemas.microsoft.com/office/powerpoint/2010/main" val="4128710330"/>
+        <p14:creationId xmlns:p14="http://schemas.microsoft.com/office/powerpoint/2010/main" val="614882681"/>
       </p:ext>
     </p:extLst>
   </p:cSld>
@@ -5289,10 +5226,10 @@
       </p:grpSpPr>
       <p:sp>
         <p:nvSpPr>
-          <p:cNvPr id="2" name="Title 1">
+          <p:cNvPr id="5" name="Title 4">
             <a:extLst>
               <a:ext uri="{FF2B5EF4-FFF2-40B4-BE49-F238E27FC236}">
-                <a16:creationId xmlns:a16="http://schemas.microsoft.com/office/drawing/2014/main" id="{3A492E52-0C9E-7CCC-47E8-5C4711AD23FE}"/>
+                <a16:creationId xmlns:a16="http://schemas.microsoft.com/office/drawing/2014/main" id="{8FBA75B4-2DD5-42EB-9397-F36BFB8BA723}"/>
               </a:ext>
             </a:extLst>
           </p:cNvPr>
@@ -5303,58 +5240,351 @@
             <p:ph type="title"/>
           </p:nvPr>
         </p:nvSpPr>
-        <p:spPr/>
-        <p:txBody>
-          <a:bodyPr/>
+        <p:spPr>
+          <a:xfrm>
+            <a:off x="581192" y="702156"/>
+            <a:ext cx="11017893" cy="694419"/>
+          </a:xfrm>
+        </p:spPr>
+        <p:txBody>
+          <a:bodyPr>
+            <a:normAutofit fontScale="90000"/>
+          </a:bodyPr>
           <a:lstStyle/>
           <a:p>
             <a:r>
-              <a:rPr lang="en-IN" dirty="0">
+              <a:rPr lang="en-US" sz="4400" b="1">
                 <a:solidFill>
                   <a:schemeClr val="accent1"/>
                 </a:solidFill>
-              </a:rPr>
-              <a:t>IBM Certifications</a:t>
-            </a:r>
-          </a:p>
-        </p:txBody>
-      </p:sp>
-      <p:pic>
-        <p:nvPicPr>
-          <p:cNvPr id="4" name="Content Placeholder 3">
+                <a:latin typeface="Arial"/>
+                <a:ea typeface="+mj-lt"/>
+                <a:cs typeface="Arial"/>
+              </a:rPr>
+              <a:t>References</a:t>
+            </a:r>
+            <a:endParaRPr lang="en-US"/>
+          </a:p>
+        </p:txBody>
+      </p:sp>
+      <p:sp>
+        <p:nvSpPr>
+          <p:cNvPr id="2" name="Content Placeholder 1">
             <a:extLst>
               <a:ext uri="{FF2B5EF4-FFF2-40B4-BE49-F238E27FC236}">
-                <a16:creationId xmlns:a16="http://schemas.microsoft.com/office/drawing/2014/main" id="{3CB2BD91-BB15-D981-01BF-42FB259DED5C}"/>
+                <a16:creationId xmlns:a16="http://schemas.microsoft.com/office/drawing/2014/main" id="{357C38BC-22B3-37B2-E0C3-812020A76077}"/>
               </a:ext>
             </a:extLst>
           </p:cNvPr>
-          <p:cNvPicPr>
-            <a:picLocks noGrp="1" noChangeAspect="1"/>
-          </p:cNvPicPr>
+          <p:cNvSpPr>
+            <a:spLocks noGrp="1"/>
+          </p:cNvSpPr>
           <p:nvPr>
             <p:ph idx="1"/>
           </p:nvPr>
-        </p:nvPicPr>
-        <p:blipFill>
-          <a:blip r:embed="rId2"/>
-          <a:stretch>
-            <a:fillRect/>
-          </a:stretch>
-        </p:blipFill>
-        <p:spPr>
-          <a:xfrm>
-            <a:off x="914400" y="2079662"/>
-            <a:ext cx="10691446" cy="3129774"/>
-          </a:xfrm>
-          <a:prstGeom prst="rect">
-            <a:avLst/>
-          </a:prstGeom>
-        </p:spPr>
-      </p:pic>
+        </p:nvSpPr>
+        <p:spPr>
+          <a:xfrm>
+            <a:off x="581192" y="1510830"/>
+            <a:ext cx="11017892" cy="4850496"/>
+          </a:xfrm>
+        </p:spPr>
+        <p:txBody>
+          <a:bodyPr>
+            <a:normAutofit fontScale="92500" lnSpcReduction="20000"/>
+          </a:bodyPr>
+          <a:lstStyle/>
+          <a:p>
+            <a:pPr marL="0" indent="0">
+              <a:buNone/>
+            </a:pPr>
+            <a:r>
+              <a:rPr lang="en-IN" sz="2400" b="1" dirty="0" err="1">
+                <a:solidFill>
+                  <a:srgbClr val="0F0F0F"/>
+                </a:solidFill>
+              </a:rPr>
+              <a:t>ChatGpt</a:t>
+            </a:r>
+            <a:r>
+              <a:rPr lang="en-IN" sz="2400" dirty="0">
+                <a:solidFill>
+                  <a:srgbClr val="0F0F0F"/>
+                </a:solidFill>
+              </a:rPr>
+              <a:t>- </a:t>
+            </a:r>
+            <a:r>
+              <a:rPr lang="en-IN" sz="2400" dirty="0">
+                <a:solidFill>
+                  <a:srgbClr val="0F0F0F"/>
+                </a:solidFill>
+                <a:ea typeface="+mn-lt"/>
+                <a:cs typeface="+mn-lt"/>
+              </a:rPr>
+              <a:t>Conceptualized &amp; co-developed with OpenAI ChatGPT for guidance </a:t>
+            </a:r>
+            <a:endParaRPr lang="en-IN">
+              <a:ea typeface="+mn-lt"/>
+              <a:cs typeface="+mn-lt"/>
+            </a:endParaRPr>
+          </a:p>
+          <a:p>
+            <a:pPr marL="0" indent="0">
+              <a:buNone/>
+            </a:pPr>
+            <a:r>
+              <a:rPr lang="en-IN" sz="2400" dirty="0">
+                <a:ea typeface="+mn-lt"/>
+                <a:cs typeface="+mn-lt"/>
+                <a:hlinkClick r:id="rId2"/>
+              </a:rPr>
+              <a:t>ChatGPT</a:t>
+            </a:r>
+            <a:endParaRPr lang="en-IN" dirty="0">
+              <a:ea typeface="+mn-lt"/>
+              <a:cs typeface="+mn-lt"/>
+            </a:endParaRPr>
+          </a:p>
+          <a:p>
+            <a:pPr marL="0" indent="0">
+              <a:buNone/>
+            </a:pPr>
+            <a:r>
+              <a:rPr lang="en-IN" sz="2400" b="1" dirty="0">
+                <a:solidFill>
+                  <a:srgbClr val="0F0F0F"/>
+                </a:solidFill>
+                <a:ea typeface="+mn-lt"/>
+                <a:cs typeface="+mn-lt"/>
+              </a:rPr>
+              <a:t>UN Environment Programme (UNEP)</a:t>
+            </a:r>
+            <a:r>
+              <a:rPr lang="en-IN" sz="2400" dirty="0">
+                <a:solidFill>
+                  <a:srgbClr val="0F0F0F"/>
+                </a:solidFill>
+                <a:ea typeface="+mn-lt"/>
+                <a:cs typeface="+mn-lt"/>
+              </a:rPr>
+              <a:t>– Global eco-tips, sustainable lifestyle resources</a:t>
+            </a:r>
+            <a:endParaRPr lang="en-IN">
+              <a:solidFill>
+                <a:srgbClr val="404040"/>
+              </a:solidFill>
+              <a:ea typeface="+mn-lt"/>
+              <a:cs typeface="+mn-lt"/>
+            </a:endParaRPr>
+          </a:p>
+          <a:p>
+            <a:pPr marL="0" indent="0">
+              <a:buNone/>
+            </a:pPr>
+            <a:r>
+              <a:rPr lang="en-IN" sz="2400" dirty="0">
+                <a:ea typeface="+mn-lt"/>
+                <a:cs typeface="+mn-lt"/>
+                <a:hlinkClick r:id="rId3"/>
+              </a:rPr>
+              <a:t>UNEP </a:t>
+            </a:r>
+            <a:endParaRPr lang="en-IN" dirty="0">
+              <a:solidFill>
+                <a:srgbClr val="404040"/>
+              </a:solidFill>
+              <a:ea typeface="+mn-lt"/>
+              <a:cs typeface="+mn-lt"/>
+            </a:endParaRPr>
+          </a:p>
+          <a:p>
+            <a:pPr marL="0" indent="0">
+              <a:buNone/>
+            </a:pPr>
+            <a:r>
+              <a:rPr lang="en-IN" sz="2400" b="1" dirty="0">
+                <a:solidFill>
+                  <a:srgbClr val="0F0F0F"/>
+                </a:solidFill>
+                <a:ea typeface="+mn-lt"/>
+                <a:cs typeface="+mn-lt"/>
+              </a:rPr>
+              <a:t>MNRE (Ministry of New and Renewable Energy)</a:t>
+            </a:r>
+            <a:r>
+              <a:rPr lang="en-IN" sz="2400" dirty="0">
+                <a:solidFill>
+                  <a:srgbClr val="0F0F0F"/>
+                </a:solidFill>
+                <a:ea typeface="+mn-lt"/>
+                <a:cs typeface="+mn-lt"/>
+              </a:rPr>
+              <a:t> – Solar rooftop, EV &amp; green energy    schemes</a:t>
+            </a:r>
+            <a:br>
+              <a:rPr lang="en-IN" sz="2400" dirty="0">
+                <a:solidFill>
+                  <a:srgbClr val="0F0F0F"/>
+                </a:solidFill>
+                <a:ea typeface="+mn-lt"/>
+                <a:cs typeface="+mn-lt"/>
+              </a:rPr>
+            </a:br>
+            <a:r>
+              <a:rPr lang="en-IN" sz="2400" dirty="0">
+                <a:ea typeface="+mn-lt"/>
+                <a:cs typeface="+mn-lt"/>
+                <a:hlinkClick r:id="rId4"/>
+              </a:rPr>
+              <a:t>MNRE</a:t>
+            </a:r>
+            <a:endParaRPr lang="en-IN">
+              <a:ea typeface="+mn-lt"/>
+              <a:cs typeface="+mn-lt"/>
+            </a:endParaRPr>
+          </a:p>
+          <a:p>
+            <a:pPr marL="0" indent="0">
+              <a:buNone/>
+            </a:pPr>
+            <a:r>
+              <a:rPr lang="en-IN" sz="2400" b="1" dirty="0" err="1">
+                <a:solidFill>
+                  <a:srgbClr val="0F0F0F"/>
+                </a:solidFill>
+                <a:ea typeface="+mn-lt"/>
+                <a:cs typeface="+mn-lt"/>
+              </a:rPr>
+              <a:t>MoEFCC</a:t>
+            </a:r>
+            <a:r>
+              <a:rPr lang="en-IN" sz="2400" b="1" dirty="0">
+                <a:solidFill>
+                  <a:srgbClr val="0F0F0F"/>
+                </a:solidFill>
+                <a:ea typeface="+mn-lt"/>
+                <a:cs typeface="+mn-lt"/>
+              </a:rPr>
+              <a:t> (India Environment Ministry)</a:t>
+            </a:r>
+            <a:r>
+              <a:rPr lang="en-IN" sz="2400" dirty="0">
+                <a:solidFill>
+                  <a:srgbClr val="0F0F0F"/>
+                </a:solidFill>
+                <a:ea typeface="+mn-lt"/>
+                <a:cs typeface="+mn-lt"/>
+              </a:rPr>
+              <a:t> – Govt. schemes, recycling rules, plastic bans</a:t>
+            </a:r>
+            <a:endParaRPr lang="en-IN">
+              <a:solidFill>
+                <a:srgbClr val="404040"/>
+              </a:solidFill>
+              <a:ea typeface="+mn-lt"/>
+              <a:cs typeface="+mn-lt"/>
+            </a:endParaRPr>
+          </a:p>
+          <a:p>
+            <a:pPr marL="0" indent="0">
+              <a:buNone/>
+            </a:pPr>
+            <a:r>
+              <a:rPr lang="en-IN" sz="2400" dirty="0">
+                <a:ea typeface="+mn-lt"/>
+                <a:cs typeface="+mn-lt"/>
+                <a:hlinkClick r:id="rId5"/>
+              </a:rPr>
+              <a:t>MoEFCC</a:t>
+            </a:r>
+            <a:endParaRPr lang="en-IN" dirty="0"/>
+          </a:p>
+          <a:p>
+            <a:pPr marL="0" indent="0">
+              <a:buNone/>
+            </a:pPr>
+            <a:r>
+              <a:rPr lang="en-IN" sz="2400" b="1" dirty="0">
+                <a:solidFill>
+                  <a:srgbClr val="0F0F0F"/>
+                </a:solidFill>
+                <a:ea typeface="+mn-lt"/>
+                <a:cs typeface="+mn-lt"/>
+              </a:rPr>
+              <a:t>Watson Assistant Documentation</a:t>
+            </a:r>
+            <a:r>
+              <a:rPr lang="en-IN" sz="2400" dirty="0">
+                <a:solidFill>
+                  <a:srgbClr val="0F0F0F"/>
+                </a:solidFill>
+                <a:ea typeface="+mn-lt"/>
+                <a:cs typeface="+mn-lt"/>
+              </a:rPr>
+              <a:t> – IBM setup, training, and integration help</a:t>
+            </a:r>
+            <a:r>
+              <a:rPr lang="en-IN" sz="2400" i="1" dirty="0">
+                <a:solidFill>
+                  <a:srgbClr val="0F0F0F"/>
+                </a:solidFill>
+                <a:ea typeface="+mn-lt"/>
+                <a:cs typeface="+mn-lt"/>
+              </a:rPr>
+              <a:t> </a:t>
+            </a:r>
+            <a:r>
+              <a:rPr lang="en-IN" sz="2400" dirty="0">
+                <a:solidFill>
+                  <a:srgbClr val="0F0F0F"/>
+                </a:solidFill>
+                <a:ea typeface="+mn-lt"/>
+                <a:cs typeface="+mn-lt"/>
+              </a:rPr>
+              <a:t>:</a:t>
+            </a:r>
+            <a:endParaRPr lang="en-IN" dirty="0">
+              <a:solidFill>
+                <a:srgbClr val="404040"/>
+              </a:solidFill>
+              <a:ea typeface="+mn-lt"/>
+              <a:cs typeface="+mn-lt"/>
+            </a:endParaRPr>
+          </a:p>
+          <a:p>
+            <a:pPr marL="0" indent="0">
+              <a:buNone/>
+            </a:pPr>
+            <a:r>
+              <a:rPr lang="en-IN" sz="2400" dirty="0">
+                <a:solidFill>
+                  <a:srgbClr val="0F0F0F"/>
+                </a:solidFill>
+                <a:ea typeface="+mn-lt"/>
+                <a:cs typeface="+mn-lt"/>
+                <a:hlinkClick r:id="rId6"/>
+              </a:rPr>
+              <a:t>IBM Cloud Docs</a:t>
+            </a:r>
+            <a:endParaRPr lang="en-IN" dirty="0">
+              <a:hlinkClick r:id="rId6"/>
+            </a:endParaRPr>
+          </a:p>
+          <a:p>
+            <a:pPr marL="305435" indent="-305435"/>
+            <a:endParaRPr lang="en-IN" sz="2400" dirty="0">
+              <a:solidFill>
+                <a:srgbClr val="0F0F0F"/>
+              </a:solidFill>
+            </a:endParaRPr>
+          </a:p>
+        </p:txBody>
+      </p:sp>
     </p:spTree>
     <p:extLst>
       <p:ext uri="{BB962C8B-B14F-4D97-AF65-F5344CB8AC3E}">
-        <p14:creationId xmlns:p14="http://schemas.microsoft.com/office/powerpoint/2010/main" val="2171852726"/>
+        <p14:creationId xmlns:p14="http://schemas.microsoft.com/office/powerpoint/2010/main" val="728950222"/>
       </p:ext>
     </p:extLst>
   </p:cSld>
@@ -5383,6 +5613,288 @@
       </p:grpSpPr>
       <p:sp>
         <p:nvSpPr>
+          <p:cNvPr id="2" name="Title 1">
+            <a:extLst>
+              <a:ext uri="{FF2B5EF4-FFF2-40B4-BE49-F238E27FC236}">
+                <a16:creationId xmlns:a16="http://schemas.microsoft.com/office/drawing/2014/main" id="{3A492E52-0C9E-7CCC-47E8-5C4711AD23FE}"/>
+              </a:ext>
+            </a:extLst>
+          </p:cNvPr>
+          <p:cNvSpPr>
+            <a:spLocks noGrp="1"/>
+          </p:cNvSpPr>
+          <p:nvPr>
+            <p:ph type="title"/>
+          </p:nvPr>
+        </p:nvSpPr>
+        <p:spPr/>
+        <p:txBody>
+          <a:bodyPr/>
+          <a:lstStyle/>
+          <a:p>
+            <a:r>
+              <a:rPr lang="en-IN" dirty="0">
+                <a:solidFill>
+                  <a:schemeClr val="accent1"/>
+                </a:solidFill>
+              </a:rPr>
+              <a:t>IBM Certifications</a:t>
+            </a:r>
+          </a:p>
+        </p:txBody>
+      </p:sp>
+      <p:pic>
+        <p:nvPicPr>
+          <p:cNvPr id="4" name="Content Placeholder 3" descr="A blue and white card with a picture of a person&#10;&#10;AI-generated content may be incorrect.">
+            <a:extLst>
+              <a:ext uri="{FF2B5EF4-FFF2-40B4-BE49-F238E27FC236}">
+                <a16:creationId xmlns:a16="http://schemas.microsoft.com/office/drawing/2014/main" id="{385A2BC2-DC6B-CDC3-8D6A-31CF06FF5375}"/>
+              </a:ext>
+            </a:extLst>
+          </p:cNvPr>
+          <p:cNvPicPr>
+            <a:picLocks noGrp="1" noChangeAspect="1"/>
+          </p:cNvPicPr>
+          <p:nvPr>
+            <p:ph idx="1"/>
+          </p:nvPr>
+        </p:nvPicPr>
+        <p:blipFill>
+          <a:blip r:embed="rId2"/>
+          <a:stretch>
+            <a:fillRect/>
+          </a:stretch>
+        </p:blipFill>
+        <p:spPr>
+          <a:xfrm>
+            <a:off x="3109156" y="1483662"/>
+            <a:ext cx="5977659" cy="4529416"/>
+          </a:xfrm>
+          <a:prstGeom prst="rect">
+            <a:avLst/>
+          </a:prstGeom>
+        </p:spPr>
+      </p:pic>
+    </p:spTree>
+    <p:extLst>
+      <p:ext uri="{BB962C8B-B14F-4D97-AF65-F5344CB8AC3E}">
+        <p14:creationId xmlns:p14="http://schemas.microsoft.com/office/powerpoint/2010/main" val="384733178"/>
+      </p:ext>
+    </p:extLst>
+  </p:cSld>
+  <p:clrMapOvr>
+    <a:masterClrMapping/>
+  </p:clrMapOvr>
+</p:sld>
+</file>
+
+<file path=ppt/slides/slide17.xml><?xml version="1.0" encoding="utf-8"?>
+<p:sld xmlns:a="http://schemas.openxmlformats.org/drawingml/2006/main" xmlns:r="http://schemas.openxmlformats.org/officeDocument/2006/relationships" xmlns:p="http://schemas.openxmlformats.org/presentationml/2006/main">
+  <p:cSld>
+    <p:spTree>
+      <p:nvGrpSpPr>
+        <p:cNvPr id="1" name=""/>
+        <p:cNvGrpSpPr/>
+        <p:nvPr/>
+      </p:nvGrpSpPr>
+      <p:grpSpPr>
+        <a:xfrm>
+          <a:off x="0" y="0"/>
+          <a:ext cx="0" cy="0"/>
+          <a:chOff x="0" y="0"/>
+          <a:chExt cx="0" cy="0"/>
+        </a:xfrm>
+      </p:grpSpPr>
+      <p:sp>
+        <p:nvSpPr>
+          <p:cNvPr id="2" name="Title 1">
+            <a:extLst>
+              <a:ext uri="{FF2B5EF4-FFF2-40B4-BE49-F238E27FC236}">
+                <a16:creationId xmlns:a16="http://schemas.microsoft.com/office/drawing/2014/main" id="{3A492E52-0C9E-7CCC-47E8-5C4711AD23FE}"/>
+              </a:ext>
+            </a:extLst>
+          </p:cNvPr>
+          <p:cNvSpPr>
+            <a:spLocks noGrp="1"/>
+          </p:cNvSpPr>
+          <p:nvPr>
+            <p:ph type="title"/>
+          </p:nvPr>
+        </p:nvSpPr>
+        <p:spPr/>
+        <p:txBody>
+          <a:bodyPr/>
+          <a:lstStyle/>
+          <a:p>
+            <a:r>
+              <a:rPr lang="en-IN" dirty="0">
+                <a:solidFill>
+                  <a:schemeClr val="accent1"/>
+                </a:solidFill>
+              </a:rPr>
+              <a:t>IBM Certifications</a:t>
+            </a:r>
+          </a:p>
+        </p:txBody>
+      </p:sp>
+      <p:pic>
+        <p:nvPicPr>
+          <p:cNvPr id="4" name="Content Placeholder 3" descr="A blue and white card with a blue border&#10;&#10;AI-generated content may be incorrect.">
+            <a:extLst>
+              <a:ext uri="{FF2B5EF4-FFF2-40B4-BE49-F238E27FC236}">
+                <a16:creationId xmlns:a16="http://schemas.microsoft.com/office/drawing/2014/main" id="{2EA47B91-C6DE-955C-8178-21434F71B18B}"/>
+              </a:ext>
+            </a:extLst>
+          </p:cNvPr>
+          <p:cNvPicPr>
+            <a:picLocks noGrp="1" noChangeAspect="1"/>
+          </p:cNvPicPr>
+          <p:nvPr>
+            <p:ph idx="1"/>
+          </p:nvPr>
+        </p:nvPicPr>
+        <p:blipFill>
+          <a:blip r:embed="rId2"/>
+          <a:stretch>
+            <a:fillRect/>
+          </a:stretch>
+        </p:blipFill>
+        <p:spPr>
+          <a:xfrm>
+            <a:off x="3160677" y="1420096"/>
+            <a:ext cx="5869612" cy="4650098"/>
+          </a:xfrm>
+          <a:prstGeom prst="rect">
+            <a:avLst/>
+          </a:prstGeom>
+        </p:spPr>
+      </p:pic>
+    </p:spTree>
+    <p:extLst>
+      <p:ext uri="{BB962C8B-B14F-4D97-AF65-F5344CB8AC3E}">
+        <p14:creationId xmlns:p14="http://schemas.microsoft.com/office/powerpoint/2010/main" val="4128710330"/>
+      </p:ext>
+    </p:extLst>
+  </p:cSld>
+  <p:clrMapOvr>
+    <a:masterClrMapping/>
+  </p:clrMapOvr>
+</p:sld>
+</file>
+
+<file path=ppt/slides/slide18.xml><?xml version="1.0" encoding="utf-8"?>
+<p:sld xmlns:a="http://schemas.openxmlformats.org/drawingml/2006/main" xmlns:r="http://schemas.openxmlformats.org/officeDocument/2006/relationships" xmlns:p="http://schemas.openxmlformats.org/presentationml/2006/main">
+  <p:cSld>
+    <p:spTree>
+      <p:nvGrpSpPr>
+        <p:cNvPr id="1" name=""/>
+        <p:cNvGrpSpPr/>
+        <p:nvPr/>
+      </p:nvGrpSpPr>
+      <p:grpSpPr>
+        <a:xfrm>
+          <a:off x="0" y="0"/>
+          <a:ext cx="0" cy="0"/>
+          <a:chOff x="0" y="0"/>
+          <a:chExt cx="0" cy="0"/>
+        </a:xfrm>
+      </p:grpSpPr>
+      <p:sp>
+        <p:nvSpPr>
+          <p:cNvPr id="2" name="Title 1">
+            <a:extLst>
+              <a:ext uri="{FF2B5EF4-FFF2-40B4-BE49-F238E27FC236}">
+                <a16:creationId xmlns:a16="http://schemas.microsoft.com/office/drawing/2014/main" id="{3A492E52-0C9E-7CCC-47E8-5C4711AD23FE}"/>
+              </a:ext>
+            </a:extLst>
+          </p:cNvPr>
+          <p:cNvSpPr>
+            <a:spLocks noGrp="1"/>
+          </p:cNvSpPr>
+          <p:nvPr>
+            <p:ph type="title"/>
+          </p:nvPr>
+        </p:nvSpPr>
+        <p:spPr/>
+        <p:txBody>
+          <a:bodyPr/>
+          <a:lstStyle/>
+          <a:p>
+            <a:r>
+              <a:rPr lang="en-IN" dirty="0">
+                <a:solidFill>
+                  <a:schemeClr val="accent1"/>
+                </a:solidFill>
+              </a:rPr>
+              <a:t>IBM Certifications</a:t>
+            </a:r>
+          </a:p>
+        </p:txBody>
+      </p:sp>
+      <p:pic>
+        <p:nvPicPr>
+          <p:cNvPr id="4" name="Content Placeholder 3">
+            <a:extLst>
+              <a:ext uri="{FF2B5EF4-FFF2-40B4-BE49-F238E27FC236}">
+                <a16:creationId xmlns:a16="http://schemas.microsoft.com/office/drawing/2014/main" id="{3CB2BD91-BB15-D981-01BF-42FB259DED5C}"/>
+              </a:ext>
+            </a:extLst>
+          </p:cNvPr>
+          <p:cNvPicPr>
+            <a:picLocks noGrp="1" noChangeAspect="1"/>
+          </p:cNvPicPr>
+          <p:nvPr>
+            <p:ph idx="1"/>
+          </p:nvPr>
+        </p:nvPicPr>
+        <p:blipFill>
+          <a:blip r:embed="rId2"/>
+          <a:stretch>
+            <a:fillRect/>
+          </a:stretch>
+        </p:blipFill>
+        <p:spPr>
+          <a:xfrm>
+            <a:off x="914400" y="2079662"/>
+            <a:ext cx="10691446" cy="3129774"/>
+          </a:xfrm>
+          <a:prstGeom prst="rect">
+            <a:avLst/>
+          </a:prstGeom>
+        </p:spPr>
+      </p:pic>
+    </p:spTree>
+    <p:extLst>
+      <p:ext uri="{BB962C8B-B14F-4D97-AF65-F5344CB8AC3E}">
+        <p14:creationId xmlns:p14="http://schemas.microsoft.com/office/powerpoint/2010/main" val="2171852726"/>
+      </p:ext>
+    </p:extLst>
+  </p:cSld>
+  <p:clrMapOvr>
+    <a:masterClrMapping/>
+  </p:clrMapOvr>
+</p:sld>
+</file>
+
+<file path=ppt/slides/slide19.xml><?xml version="1.0" encoding="utf-8"?>
+<p:sld xmlns:a="http://schemas.openxmlformats.org/drawingml/2006/main" xmlns:r="http://schemas.openxmlformats.org/officeDocument/2006/relationships" xmlns:p="http://schemas.openxmlformats.org/presentationml/2006/main">
+  <p:cSld>
+    <p:spTree>
+      <p:nvGrpSpPr>
+        <p:cNvPr id="1" name=""/>
+        <p:cNvGrpSpPr/>
+        <p:nvPr/>
+      </p:nvGrpSpPr>
+      <p:grpSpPr>
+        <a:xfrm>
+          <a:off x="0" y="0"/>
+          <a:ext cx="0" cy="0"/>
+          <a:chOff x="0" y="0"/>
+          <a:chExt cx="0" cy="0"/>
+        </a:xfrm>
+      </p:grpSpPr>
+      <p:sp>
+        <p:nvSpPr>
           <p:cNvPr id="5" name="Title 4">
             <a:extLst>
               <a:ext uri="{FF2B5EF4-FFF2-40B4-BE49-F238E27FC236}">
@@ -5404,20 +5916,65 @@
           </a:xfrm>
         </p:spPr>
         <p:txBody>
-          <a:bodyPr/>
+          <a:bodyPr>
+            <a:normAutofit fontScale="90000"/>
+          </a:bodyPr>
           <a:lstStyle/>
           <a:p>
             <a:pPr algn="ctr"/>
             <a:r>
-              <a:rPr lang="en-US" b="1">
+              <a:rPr lang="en-US" b="1" dirty="0" err="1">
                 <a:solidFill>
                   <a:srgbClr val="002060"/>
                 </a:solidFill>
+                <a:latin typeface="Arial"/>
+                <a:cs typeface="Arial"/>
+              </a:rPr>
+              <a:t>Github</a:t>
+            </a:r>
+            <a:r>
+              <a:rPr lang="en-US" b="1" dirty="0">
+                <a:solidFill>
+                  <a:srgbClr val="002060"/>
+                </a:solidFill>
+                <a:latin typeface="Arial"/>
+                <a:cs typeface="Arial"/>
+              </a:rPr>
+              <a:t> link- </a:t>
+            </a:r>
+            <a:br>
+              <a:rPr lang="en-US" b="1" dirty="0">
+                <a:solidFill>
+                  <a:srgbClr val="002060"/>
+                </a:solidFill>
+                <a:latin typeface="Arial"/>
+                <a:cs typeface="Arial"/>
+              </a:rPr>
+            </a:br>
+            <a:br>
+              <a:rPr lang="en-US" b="1" dirty="0">
                 <a:latin typeface="Arial" panose="020B0604020202020204" pitchFamily="34" charset="0"/>
                 <a:cs typeface="Arial" panose="020B0604020202020204" pitchFamily="34" charset="0"/>
               </a:rPr>
-              <a:t>THANK YOU</a:t>
-            </a:r>
+            </a:br>
+            <a:r>
+              <a:rPr lang="en-US" dirty="0">
+                <a:solidFill>
+                  <a:srgbClr val="002060"/>
+                </a:solidFill>
+                <a:ea typeface="+mj-lt"/>
+                <a:cs typeface="+mj-lt"/>
+                <a:hlinkClick r:id="rId2"/>
+              </a:rPr>
+              <a:t>https://github.com/Suryank7/Eco-Lifestyle-Agent</a:t>
+            </a:r>
+            <a:endParaRPr lang="en-US" dirty="0">
+              <a:solidFill>
+                <a:srgbClr val="002060"/>
+              </a:solidFill>
+              <a:latin typeface="Franklin Gothic Demi"/>
+              <a:cs typeface="Arial" panose="020B0604020202020204" pitchFamily="34" charset="0"/>
+            </a:endParaRPr>
           </a:p>
         </p:txBody>
       </p:sp>
@@ -5544,15 +6101,7 @@
               </a:rPr>
               <a:t>Problem Statement </a:t>
             </a:r>
-            <a:r>
-              <a:rPr lang="en-US" sz="2000" dirty="0">
-                <a:latin typeface="Arial"/>
-                <a:ea typeface="+mn-lt"/>
-                <a:cs typeface="Arial"/>
-              </a:rPr>
-              <a:t>(Should not include solution)</a:t>
-            </a:r>
-            <a:endParaRPr lang="en-US" dirty="0">
+            <a:endParaRPr lang="en-US" sz="2000" b="1">
               <a:latin typeface="Arial"/>
               <a:cs typeface="Arial"/>
             </a:endParaRPr>
@@ -5567,7 +6116,7 @@
               </a:rPr>
               <a:t>Proposed System/Solution</a:t>
             </a:r>
-            <a:endParaRPr lang="en-US" dirty="0">
+            <a:endParaRPr lang="en-US" b="1">
               <a:latin typeface="Arial"/>
               <a:cs typeface="Arial"/>
             </a:endParaRPr>
@@ -5590,19 +6139,6 @@
               </a:rPr>
               <a:t>Development Approach </a:t>
             </a:r>
-            <a:r>
-              <a:rPr lang="en-US" sz="2000" dirty="0">
-                <a:latin typeface="Arial"/>
-                <a:ea typeface="+mn-lt"/>
-                <a:cs typeface="+mn-lt"/>
-              </a:rPr>
-              <a:t>(Technology Used) </a:t>
-            </a:r>
-            <a:endParaRPr lang="en-US" dirty="0">
-              <a:latin typeface="Arial"/>
-              <a:ea typeface="+mn-lt"/>
-              <a:cs typeface="+mn-lt"/>
-            </a:endParaRPr>
           </a:p>
           <a:p>
             <a:pPr marL="305435" indent="-305435"/>
@@ -5614,7 +6150,7 @@
               </a:rPr>
               <a:t>Algorithm </a:t>
             </a:r>
-            <a:endParaRPr lang="en-US" dirty="0">
+            <a:endParaRPr lang="en-US" b="1">
               <a:latin typeface="Arial"/>
               <a:ea typeface="+mn-lt"/>
               <a:cs typeface="Calibri"/>
@@ -5630,7 +6166,7 @@
               </a:rPr>
               <a:t>Deployment  </a:t>
             </a:r>
-            <a:endParaRPr lang="en-US" dirty="0">
+            <a:endParaRPr lang="en-US" b="1">
               <a:latin typeface="Arial"/>
               <a:cs typeface="Calibri"/>
             </a:endParaRPr>
@@ -5656,7 +6192,7 @@
               </a:rPr>
               <a:t>Conclusion</a:t>
             </a:r>
-            <a:endParaRPr lang="en-US" dirty="0">
+            <a:endParaRPr lang="en-US" b="1">
               <a:latin typeface="Arial"/>
               <a:cs typeface="Arial"/>
             </a:endParaRPr>
@@ -5682,7 +6218,16 @@
               </a:rPr>
               <a:t>References</a:t>
             </a:r>
-            <a:endParaRPr lang="en-US" dirty="0">
+            <a:endParaRPr lang="en-US" b="1" dirty="0">
+              <a:latin typeface="Arial"/>
+              <a:cs typeface="Arial"/>
+            </a:endParaRPr>
+          </a:p>
+          <a:p>
+            <a:pPr marL="0" indent="0">
+              <a:buNone/>
+            </a:pPr>
+            <a:endParaRPr lang="en-US" sz="2000" b="1" dirty="0">
               <a:latin typeface="Arial"/>
               <a:cs typeface="Arial"/>
             </a:endParaRPr>
@@ -5700,6 +6245,82 @@
     <p:extLst>
       <p:ext uri="{BB962C8B-B14F-4D97-AF65-F5344CB8AC3E}">
         <p14:creationId xmlns:p14="http://schemas.microsoft.com/office/powerpoint/2010/main" val="2900153716"/>
+      </p:ext>
+    </p:extLst>
+  </p:cSld>
+  <p:clrMapOvr>
+    <a:masterClrMapping/>
+  </p:clrMapOvr>
+</p:sld>
+</file>
+
+<file path=ppt/slides/slide20.xml><?xml version="1.0" encoding="utf-8"?>
+<p:sld xmlns:a="http://schemas.openxmlformats.org/drawingml/2006/main" xmlns:r="http://schemas.openxmlformats.org/officeDocument/2006/relationships" xmlns:p="http://schemas.openxmlformats.org/presentationml/2006/main">
+  <p:cSld>
+    <p:spTree>
+      <p:nvGrpSpPr>
+        <p:cNvPr id="1" name="">
+          <a:extLst>
+            <a:ext uri="{FF2B5EF4-FFF2-40B4-BE49-F238E27FC236}">
+              <a16:creationId xmlns:a16="http://schemas.microsoft.com/office/drawing/2014/main" id="{AB5439B5-30F6-96C8-7B4C-51A36B18A73B}"/>
+            </a:ext>
+          </a:extLst>
+        </p:cNvPr>
+        <p:cNvGrpSpPr/>
+        <p:nvPr/>
+      </p:nvGrpSpPr>
+      <p:grpSpPr>
+        <a:xfrm>
+          <a:off x="0" y="0"/>
+          <a:ext cx="0" cy="0"/>
+          <a:chOff x="0" y="0"/>
+          <a:chExt cx="0" cy="0"/>
+        </a:xfrm>
+      </p:grpSpPr>
+      <p:sp>
+        <p:nvSpPr>
+          <p:cNvPr id="5" name="Title 4">
+            <a:extLst>
+              <a:ext uri="{FF2B5EF4-FFF2-40B4-BE49-F238E27FC236}">
+                <a16:creationId xmlns:a16="http://schemas.microsoft.com/office/drawing/2014/main" id="{E94680BE-FCEF-D4FD-8712-8CD2C94C1C57}"/>
+              </a:ext>
+            </a:extLst>
+          </p:cNvPr>
+          <p:cNvSpPr>
+            <a:spLocks noGrp="1"/>
+          </p:cNvSpPr>
+          <p:nvPr>
+            <p:ph type="title"/>
+          </p:nvPr>
+        </p:nvSpPr>
+        <p:spPr>
+          <a:xfrm>
+            <a:off x="1463041" y="2766218"/>
+            <a:ext cx="9298744" cy="1325563"/>
+          </a:xfrm>
+        </p:spPr>
+        <p:txBody>
+          <a:bodyPr/>
+          <a:lstStyle/>
+          <a:p>
+            <a:pPr algn="ctr"/>
+            <a:r>
+              <a:rPr lang="en-US" b="1">
+                <a:solidFill>
+                  <a:srgbClr val="002060"/>
+                </a:solidFill>
+                <a:latin typeface="Arial" panose="020B0604020202020204" pitchFamily="34" charset="0"/>
+                <a:cs typeface="Arial" panose="020B0604020202020204" pitchFamily="34" charset="0"/>
+              </a:rPr>
+              <a:t>THANK YOU</a:t>
+            </a:r>
+          </a:p>
+        </p:txBody>
+      </p:sp>
+    </p:spTree>
+    <p:extLst>
+      <p:ext uri="{BB962C8B-B14F-4D97-AF65-F5344CB8AC3E}">
+        <p14:creationId xmlns:p14="http://schemas.microsoft.com/office/powerpoint/2010/main" val="1205376422"/>
       </p:ext>
     </p:extLst>
   </p:cSld>
@@ -5798,19 +6419,19 @@
               <a:buNone/>
             </a:pPr>
             <a:r>
-              <a:rPr lang="en-IN" sz="2400" dirty="0">
-                <a:solidFill>
-                  <a:srgbClr val="0F0F0F"/>
-                </a:solidFill>
-                <a:ea typeface="+mn-lt"/>
-                <a:cs typeface="+mn-lt"/>
-              </a:rPr>
-              <a:t>An Eco Lifestyle Agent, built with </a:t>
-            </a:r>
-            <a:r>
-              <a:rPr lang="en-IN" sz="2400" dirty="0" err="1">
-                <a:solidFill>
-                  <a:srgbClr val="0F0F0F"/>
+              <a:rPr lang="en-IN" sz="2800" dirty="0">
+                <a:solidFill>
+                  <a:srgbClr val="1F243C"/>
+                </a:solidFill>
+                <a:ea typeface="+mn-lt"/>
+                <a:cs typeface="+mn-lt"/>
+              </a:rPr>
+              <a:t>The Eco Lifestyle Agent, built with </a:t>
+            </a:r>
+            <a:r>
+              <a:rPr lang="en-IN" sz="2800" err="1">
+                <a:solidFill>
+                  <a:srgbClr val="1F243C"/>
                 </a:solidFill>
                 <a:ea typeface="+mn-lt"/>
                 <a:cs typeface="+mn-lt"/>
@@ -5818,16 +6439,19 @@
               <a:t>Watsonx</a:t>
             </a:r>
             <a:r>
-              <a:rPr lang="en-IN" sz="2400" dirty="0">
-                <a:solidFill>
-                  <a:srgbClr val="0F0F0F"/>
-                </a:solidFill>
-                <a:ea typeface="+mn-lt"/>
-                <a:cs typeface="+mn-lt"/>
-              </a:rPr>
-              <a:t> Assistant, helps users adopt a greener lifestyle by providing practical and personalized eco-friendly advice. It answers natural language questions like “How can I reduce plastic use at home?” or “What are eco-friendly travel options in my city?” with quick, easy-to-understand suggestions. The assistant gives tips on sustainable living, recommends eco-conscious products, shares local recycling practices, and highlights helpful government programs. By promoting simple daily habits that have a big impact, it makes sustainability easier to navigate. This chatbot encourages environmentally responsible choices and supports a cleaner, greener future for everyone.</a:t>
-            </a:r>
-            <a:endParaRPr lang="en-US" dirty="0">
+              <a:rPr lang="en-IN" sz="2800" dirty="0">
+                <a:solidFill>
+                  <a:srgbClr val="1F243C"/>
+                </a:solidFill>
+                <a:ea typeface="+mn-lt"/>
+                <a:cs typeface="+mn-lt"/>
+              </a:rPr>
+              <a:t> Assistant, helps people live more eco-friendly by providing simple, personalized tips. It answers questions like "How can I use less plastic?" or "What green travel options are near me?" It also shares advice on sustainable habits, products, recycling, and government programs. This tool makes going green easy and practical for everyday life.</a:t>
+            </a:r>
+            <a:endParaRPr lang="en-US" sz="2800" dirty="0">
+              <a:solidFill>
+                <a:srgbClr val="1F243C"/>
+              </a:solidFill>
               <a:ea typeface="+mn-lt"/>
               <a:cs typeface="+mn-lt"/>
             </a:endParaRPr>
@@ -6179,7 +6803,7 @@
         </p:spPr>
         <p:txBody>
           <a:bodyPr>
-            <a:normAutofit lnSpcReduction="10000"/>
+            <a:normAutofit/>
           </a:bodyPr>
           <a:lstStyle/>
           <a:p>
@@ -6388,41 +7012,9 @@
             <a:pPr marL="0" indent="0">
               <a:buNone/>
             </a:pPr>
-            <a:r>
-              <a:rPr lang="en-IN" sz="2000" dirty="0">
-                <a:solidFill>
-                  <a:srgbClr val="1F243C"/>
-                </a:solidFill>
-                <a:ea typeface="+mn-lt"/>
-                <a:cs typeface="+mn-lt"/>
-              </a:rPr>
-              <a:t>Optional: Watson Discovery / RAG integration for external knowledge</a:t>
-            </a:r>
-            <a:endParaRPr lang="en-IN" sz="2000" b="1">
+            <a:endParaRPr lang="en-IN" sz="2000" dirty="0">
               <a:solidFill>
-                <a:srgbClr val="0F0F0F"/>
-              </a:solidFill>
-              <a:ea typeface="+mn-lt"/>
-              <a:cs typeface="+mn-lt"/>
-            </a:endParaRPr>
-          </a:p>
-          <a:p>
-            <a:pPr marL="0" indent="0">
-              <a:buNone/>
-            </a:pPr>
-            <a:r>
-              <a:rPr lang="en-IN" sz="2000" dirty="0">
-                <a:solidFill>
-                  <a:srgbClr val="1F243C"/>
-                </a:solidFill>
-                <a:ea typeface="+mn-lt"/>
-                <a:cs typeface="+mn-lt"/>
-              </a:rPr>
-              <a:t>Optional: IBM Cloud Object Storage for storing large documents or FAQs </a:t>
-            </a:r>
-            <a:endParaRPr lang="en-IN" sz="2000" b="1" dirty="0">
-              <a:solidFill>
-                <a:srgbClr val="0F0F0F"/>
+                <a:srgbClr val="1F243C"/>
               </a:solidFill>
             </a:endParaRPr>
           </a:p>
@@ -6503,7 +7095,7 @@
           <a:lstStyle/>
           <a:p>
             <a:r>
-              <a:rPr lang="en-US" sz="4400" b="1">
+              <a:rPr lang="en-US" sz="4400" b="1" dirty="0">
                 <a:solidFill>
                   <a:schemeClr val="accent1"/>
                 </a:solidFill>
@@ -6511,9 +7103,9 @@
                 <a:ea typeface="+mj-lt"/>
                 <a:cs typeface="Arial"/>
               </a:rPr>
-              <a:t>System  Approach</a:t>
-            </a:r>
-            <a:endParaRPr lang="en-US" sz="4400">
+              <a:t>Tools used</a:t>
+            </a:r>
+            <a:endParaRPr lang="en-US" sz="4400" dirty="0">
               <a:solidFill>
                 <a:schemeClr val="accent1"/>
               </a:solidFill>
@@ -6561,23 +7153,52 @@
             </a:endParaRPr>
           </a:p>
           <a:p>
-            <a:pPr marL="305435" indent="-305435"/>
-            <a:r>
-              <a:rPr lang="en-IN" sz="2800" b="1" dirty="0">
-                <a:solidFill>
-                  <a:srgbClr val="0F0F0F"/>
-                </a:solidFill>
-              </a:rPr>
-              <a:t>Requirements to build the model</a:t>
-            </a:r>
-          </a:p>
-          <a:p>
             <a:pPr marL="0" indent="0">
               <a:buNone/>
             </a:pPr>
-            <a:endParaRPr lang="en-IN" sz="2800" b="1" dirty="0">
+            <a:r>
+              <a:rPr lang="en-IN" sz="2400" b="1" err="1">
+                <a:solidFill>
+                  <a:srgbClr val="1F243C"/>
+                </a:solidFill>
+                <a:ea typeface="+mn-lt"/>
+                <a:cs typeface="+mn-lt"/>
+              </a:rPr>
+              <a:t>Watsonx</a:t>
+            </a:r>
+            <a:r>
+              <a:rPr lang="en-IN" sz="2400" b="1" dirty="0">
+                <a:solidFill>
+                  <a:srgbClr val="1F243C"/>
+                </a:solidFill>
+                <a:ea typeface="+mn-lt"/>
+                <a:cs typeface="+mn-lt"/>
+              </a:rPr>
+              <a:t> Assistant:</a:t>
+            </a:r>
+            <a:r>
+              <a:rPr lang="en-IN" sz="2000" dirty="0">
+                <a:solidFill>
+                  <a:srgbClr val="1F243C"/>
+                </a:solidFill>
+                <a:ea typeface="+mn-lt"/>
+                <a:cs typeface="+mn-lt"/>
+              </a:rPr>
+              <a:t> </a:t>
+            </a:r>
+            <a:r>
+              <a:rPr lang="en-IN" sz="2400" dirty="0">
+                <a:solidFill>
+                  <a:srgbClr val="1F243C"/>
+                </a:solidFill>
+                <a:ea typeface="+mn-lt"/>
+                <a:cs typeface="+mn-lt"/>
+              </a:rPr>
+              <a:t>the main conversational AI framework, focuses on intent handling, dialogue design, and user flow.</a:t>
+            </a:r>
+            <a:endParaRPr lang="en-IN" sz="2400">
               <a:solidFill>
-                <a:srgbClr val="0F0F0F"/>
+                <a:srgbClr val="404040"/>
               </a:solidFill>
               <a:ea typeface="+mn-lt"/>
               <a:cs typeface="+mn-lt"/>
@@ -6588,15 +7209,47 @@
               <a:buNone/>
             </a:pPr>
             <a:r>
-              <a:rPr lang="en-IN" sz="2400" b="1" err="1">
+              <a:rPr lang="en-IN" sz="2400" b="1" dirty="0">
                 <a:solidFill>
                   <a:srgbClr val="1F243C"/>
                 </a:solidFill>
                 <a:ea typeface="+mn-lt"/>
                 <a:cs typeface="+mn-lt"/>
               </a:rPr>
-              <a:t>Watsonx</a:t>
-            </a:r>
+              <a:t>Prompt Templates:</a:t>
+            </a:r>
+            <a:r>
+              <a:rPr lang="en-IN" sz="2000" dirty="0">
+                <a:solidFill>
+                  <a:srgbClr val="1F243C"/>
+                </a:solidFill>
+                <a:ea typeface="+mn-lt"/>
+                <a:cs typeface="+mn-lt"/>
+              </a:rPr>
+              <a:t> </a:t>
+            </a:r>
+            <a:r>
+              <a:rPr lang="en-IN" sz="2400" dirty="0">
+                <a:solidFill>
+                  <a:srgbClr val="1F243C"/>
+                </a:solidFill>
+                <a:ea typeface="+mn-lt"/>
+                <a:cs typeface="+mn-lt"/>
+              </a:rPr>
+              <a:t>provide predefined responses and follow-up actions for FAQs.</a:t>
+            </a:r>
+            <a:endParaRPr lang="en-IN" sz="2400">
+              <a:solidFill>
+                <a:srgbClr val="404040"/>
+              </a:solidFill>
+              <a:ea typeface="+mn-lt"/>
+              <a:cs typeface="+mn-lt"/>
+            </a:endParaRPr>
+          </a:p>
+          <a:p>
+            <a:pPr marL="0" indent="0">
+              <a:buNone/>
+            </a:pPr>
             <a:r>
               <a:rPr lang="en-IN" sz="2400" b="1" dirty="0">
                 <a:solidFill>
@@ -6605,7 +7258,7 @@
                 <a:ea typeface="+mn-lt"/>
                 <a:cs typeface="+mn-lt"/>
               </a:rPr>
-              <a:t> Assistant:</a:t>
+              <a:t>Actions UI:</a:t>
             </a:r>
             <a:r>
               <a:rPr lang="en-IN" sz="2000" dirty="0">
@@ -6615,7 +7268,133 @@
                 <a:ea typeface="+mn-lt"/>
                 <a:cs typeface="+mn-lt"/>
               </a:rPr>
-              <a:t> the main conversational AI framework, focuses on intent handling, dialogue design, and user flow.</a:t>
+              <a:t> </a:t>
+            </a:r>
+            <a:r>
+              <a:rPr lang="en-IN" sz="2400" dirty="0">
+                <a:solidFill>
+                  <a:srgbClr val="1F243C"/>
+                </a:solidFill>
+                <a:ea typeface="+mn-lt"/>
+                <a:cs typeface="+mn-lt"/>
+              </a:rPr>
+              <a:t>a visual flow builder that allows you to design no-code or low-code conversational paths.</a:t>
+            </a:r>
+            <a:endParaRPr lang="en-IN" sz="2400">
+              <a:solidFill>
+                <a:srgbClr val="404040"/>
+              </a:solidFill>
+              <a:ea typeface="+mn-lt"/>
+              <a:cs typeface="+mn-lt"/>
+            </a:endParaRPr>
+          </a:p>
+          <a:p>
+            <a:pPr marL="0" indent="0">
+              <a:buNone/>
+            </a:pPr>
+            <a:r>
+              <a:rPr lang="en-IN" sz="2400" b="1" dirty="0">
+                <a:solidFill>
+                  <a:srgbClr val="1F243C"/>
+                </a:solidFill>
+                <a:ea typeface="+mn-lt"/>
+                <a:cs typeface="+mn-lt"/>
+              </a:rPr>
+              <a:t>Web Chat Integration: </a:t>
+            </a:r>
+            <a:r>
+              <a:rPr lang="en-IN" sz="2400" dirty="0">
+                <a:solidFill>
+                  <a:srgbClr val="1F243C"/>
+                </a:solidFill>
+                <a:ea typeface="+mn-lt"/>
+                <a:cs typeface="+mn-lt"/>
+              </a:rPr>
+              <a:t>lets you embed a chatbot in a website, mobile app, or portal.</a:t>
+            </a:r>
+            <a:endParaRPr lang="en-IN" sz="2400">
+              <a:solidFill>
+                <a:srgbClr val="404040"/>
+              </a:solidFill>
+              <a:ea typeface="+mn-lt"/>
+              <a:cs typeface="+mn-lt"/>
+            </a:endParaRPr>
+          </a:p>
+          <a:p>
+            <a:pPr marL="0" indent="0">
+              <a:buNone/>
+            </a:pPr>
+            <a:r>
+              <a:rPr lang="en-IN" sz="2400" b="1" dirty="0">
+                <a:solidFill>
+                  <a:srgbClr val="1F243C"/>
+                </a:solidFill>
+                <a:ea typeface="+mn-lt"/>
+                <a:cs typeface="+mn-lt"/>
+              </a:rPr>
+              <a:t>Watsonx.ai: </a:t>
+            </a:r>
+            <a:r>
+              <a:rPr lang="en-IN" sz="2400" dirty="0">
+                <a:solidFill>
+                  <a:srgbClr val="1F243C"/>
+                </a:solidFill>
+                <a:ea typeface="+mn-lt"/>
+                <a:cs typeface="+mn-lt"/>
+              </a:rPr>
+              <a:t>is an optional feature for future AI services such as RAG or sentiment-aware answers.</a:t>
+            </a:r>
+            <a:endParaRPr lang="en-IN" sz="2400">
+              <a:solidFill>
+                <a:srgbClr val="404040"/>
+              </a:solidFill>
+              <a:ea typeface="+mn-lt"/>
+              <a:cs typeface="+mn-lt"/>
+            </a:endParaRPr>
+          </a:p>
+          <a:p>
+            <a:pPr marL="0" indent="0">
+              <a:buNone/>
+            </a:pPr>
+            <a:r>
+              <a:rPr lang="en-IN" sz="2400" b="1" dirty="0">
+                <a:solidFill>
+                  <a:srgbClr val="1F243C"/>
+                </a:solidFill>
+                <a:ea typeface="+mn-lt"/>
+                <a:cs typeface="+mn-lt"/>
+              </a:rPr>
+              <a:t>Cloud Object Storage:</a:t>
+            </a:r>
+            <a:r>
+              <a:rPr lang="en-IN" sz="2000" dirty="0">
+                <a:solidFill>
+                  <a:srgbClr val="1F243C"/>
+                </a:solidFill>
+                <a:ea typeface="+mn-lt"/>
+                <a:cs typeface="+mn-lt"/>
+              </a:rPr>
+              <a:t> </a:t>
+            </a:r>
+            <a:r>
+              <a:rPr lang="en-IN" sz="2400" dirty="0">
+                <a:solidFill>
+                  <a:srgbClr val="1F243C"/>
+                </a:solidFill>
+                <a:ea typeface="+mn-lt"/>
+                <a:cs typeface="+mn-lt"/>
+              </a:rPr>
+              <a:t>enables you to store PDFs, knowledge bases, or eco-related datasets if needed</a:t>
+            </a:r>
+            <a:r>
+              <a:rPr lang="en-IN" sz="2000" dirty="0">
+                <a:solidFill>
+                  <a:srgbClr val="1F243C"/>
+                </a:solidFill>
+                <a:ea typeface="+mn-lt"/>
+                <a:cs typeface="+mn-lt"/>
+              </a:rPr>
+              <a:t>. </a:t>
             </a:r>
             <a:endParaRPr lang="en-IN" sz="2000" dirty="0">
               <a:solidFill>
@@ -6637,7 +7416,7 @@
                 <a:ea typeface="+mn-lt"/>
                 <a:cs typeface="+mn-lt"/>
               </a:rPr>
-              <a:t>Prompt Templates:</a:t>
+              <a:t>Assistant Analytics:</a:t>
             </a:r>
             <a:r>
               <a:rPr lang="en-IN" sz="2000" dirty="0">
@@ -6647,169 +7426,19 @@
                 <a:ea typeface="+mn-lt"/>
                 <a:cs typeface="+mn-lt"/>
               </a:rPr>
-              <a:t> provide predefined responses and follow-up actions for FAQs.</a:t>
-            </a:r>
-            <a:endParaRPr lang="en-IN" sz="2000" dirty="0">
-              <a:solidFill>
-                <a:srgbClr val="404040"/>
-              </a:solidFill>
-              <a:ea typeface="+mn-lt"/>
-              <a:cs typeface="+mn-lt"/>
-            </a:endParaRPr>
-          </a:p>
-          <a:p>
-            <a:pPr marL="0" indent="0">
-              <a:buNone/>
-            </a:pPr>
-            <a:r>
-              <a:rPr lang="en-IN" sz="2400" b="1" dirty="0">
+              <a:t> </a:t>
+            </a:r>
+            <a:r>
+              <a:rPr lang="en-IN" sz="2400" dirty="0">
                 <a:solidFill>
                   <a:srgbClr val="1F243C"/>
                 </a:solidFill>
                 <a:ea typeface="+mn-lt"/>
                 <a:cs typeface="+mn-lt"/>
               </a:rPr>
-              <a:t>Actions UI:</a:t>
-            </a:r>
-            <a:r>
-              <a:rPr lang="en-IN" sz="2000" dirty="0">
-                <a:solidFill>
-                  <a:srgbClr val="1F243C"/>
-                </a:solidFill>
-                <a:ea typeface="+mn-lt"/>
-                <a:cs typeface="+mn-lt"/>
-              </a:rPr>
-              <a:t> a visual flow builder that allows you to design no-code or low-code conversational paths.</a:t>
-            </a:r>
-            <a:endParaRPr lang="en-IN" sz="2000">
-              <a:solidFill>
-                <a:srgbClr val="404040"/>
-              </a:solidFill>
-              <a:ea typeface="+mn-lt"/>
-              <a:cs typeface="+mn-lt"/>
-            </a:endParaRPr>
-          </a:p>
-          <a:p>
-            <a:pPr marL="0" indent="0">
-              <a:buNone/>
-            </a:pPr>
-            <a:r>
-              <a:rPr lang="en-IN" sz="2400" b="1" dirty="0">
-                <a:solidFill>
-                  <a:srgbClr val="1F243C"/>
-                </a:solidFill>
-                <a:ea typeface="+mn-lt"/>
-                <a:cs typeface="+mn-lt"/>
-              </a:rPr>
-              <a:t>Web Chat Integration: </a:t>
-            </a:r>
-            <a:r>
-              <a:rPr lang="en-IN" sz="2000" dirty="0">
-                <a:solidFill>
-                  <a:srgbClr val="1F243C"/>
-                </a:solidFill>
-                <a:ea typeface="+mn-lt"/>
-                <a:cs typeface="+mn-lt"/>
-              </a:rPr>
-              <a:t>lets you embed a chatbot in a website, mobile app, or portal.</a:t>
-            </a:r>
-            <a:endParaRPr lang="en-IN" sz="2000" dirty="0">
-              <a:solidFill>
-                <a:srgbClr val="404040"/>
-              </a:solidFill>
-              <a:ea typeface="+mn-lt"/>
-              <a:cs typeface="+mn-lt"/>
-            </a:endParaRPr>
-          </a:p>
-          <a:p>
-            <a:pPr marL="0" indent="0">
-              <a:buNone/>
-            </a:pPr>
-            <a:r>
-              <a:rPr lang="en-IN" sz="2400" b="1" dirty="0">
-                <a:solidFill>
-                  <a:srgbClr val="1F243C"/>
-                </a:solidFill>
-                <a:ea typeface="+mn-lt"/>
-                <a:cs typeface="+mn-lt"/>
-              </a:rPr>
-              <a:t>Watsonx.ai: </a:t>
-            </a:r>
-            <a:r>
-              <a:rPr lang="en-IN" sz="2000" dirty="0">
-                <a:solidFill>
-                  <a:srgbClr val="1F243C"/>
-                </a:solidFill>
-                <a:ea typeface="+mn-lt"/>
-                <a:cs typeface="+mn-lt"/>
-              </a:rPr>
-              <a:t>is an optional feature for future AI services such as RAG or sentiment-aware answers.</a:t>
-            </a:r>
-            <a:endParaRPr lang="en-IN" sz="2000" dirty="0">
-              <a:solidFill>
-                <a:srgbClr val="404040"/>
-              </a:solidFill>
-              <a:ea typeface="+mn-lt"/>
-              <a:cs typeface="+mn-lt"/>
-            </a:endParaRPr>
-          </a:p>
-          <a:p>
-            <a:pPr marL="0" indent="0">
-              <a:buNone/>
-            </a:pPr>
-            <a:r>
-              <a:rPr lang="en-IN" sz="2400" b="1" dirty="0">
-                <a:solidFill>
-                  <a:srgbClr val="1F243C"/>
-                </a:solidFill>
-                <a:ea typeface="+mn-lt"/>
-                <a:cs typeface="+mn-lt"/>
-              </a:rPr>
-              <a:t>Cloud Object Storage:</a:t>
-            </a:r>
-            <a:r>
-              <a:rPr lang="en-IN" sz="2000" dirty="0">
-                <a:solidFill>
-                  <a:srgbClr val="1F243C"/>
-                </a:solidFill>
-                <a:ea typeface="+mn-lt"/>
-                <a:cs typeface="+mn-lt"/>
-              </a:rPr>
-              <a:t> enables you to store PDFs, knowledge bases, or eco-related datasets if needed. </a:t>
-            </a:r>
-            <a:endParaRPr lang="en-IN" sz="2000" dirty="0">
-              <a:solidFill>
-                <a:srgbClr val="404040"/>
-              </a:solidFill>
-              <a:ea typeface="+mn-lt"/>
-              <a:cs typeface="+mn-lt"/>
-            </a:endParaRPr>
-          </a:p>
-          <a:p>
-            <a:pPr marL="0" indent="0">
-              <a:buNone/>
-            </a:pPr>
-            <a:r>
-              <a:rPr lang="en-IN" sz="2400" b="1" dirty="0">
-                <a:solidFill>
-                  <a:srgbClr val="1F243C"/>
-                </a:solidFill>
-                <a:ea typeface="+mn-lt"/>
-                <a:cs typeface="+mn-lt"/>
-              </a:rPr>
-              <a:t>Assistant Analytics:</a:t>
-            </a:r>
-            <a:r>
-              <a:rPr lang="en-IN" sz="2000" dirty="0">
-                <a:solidFill>
-                  <a:srgbClr val="1F243C"/>
-                </a:solidFill>
-                <a:ea typeface="+mn-lt"/>
-                <a:cs typeface="+mn-lt"/>
-              </a:rPr>
-              <a:t> helps you track user interactions, the most common queries, and user feedback. </a:t>
-            </a:r>
-            <a:endParaRPr lang="en-IN" sz="2000" dirty="0"/>
+              <a:t>helps you track user interactions, the most common queries, and user feedback. </a:t>
+            </a:r>
+            <a:endParaRPr lang="en-IN" sz="2400"/>
           </a:p>
         </p:txBody>
       </p:sp>
@@ -6859,7 +7488,12 @@
             <p:ph type="title"/>
           </p:nvPr>
         </p:nvSpPr>
-        <p:spPr/>
+        <p:spPr>
+          <a:xfrm>
+            <a:off x="581192" y="702156"/>
+            <a:ext cx="11029616" cy="600634"/>
+          </a:xfrm>
+        </p:spPr>
         <p:txBody>
           <a:bodyPr>
             <a:normAutofit fontScale="90000"/>
@@ -6970,6 +7604,156 @@
 </file>
 
 <file path=ppt/slides/slide8.xml><?xml version="1.0" encoding="utf-8"?>
+<p:sld xmlns:a="http://schemas.openxmlformats.org/drawingml/2006/main" xmlns:r="http://schemas.openxmlformats.org/officeDocument/2006/relationships" xmlns:p="http://schemas.openxmlformats.org/presentationml/2006/main">
+  <p:cSld>
+    <p:spTree>
+      <p:nvGrpSpPr>
+        <p:cNvPr id="1" name="">
+          <a:extLst>
+            <a:ext uri="{FF2B5EF4-FFF2-40B4-BE49-F238E27FC236}">
+              <a16:creationId xmlns:a16="http://schemas.microsoft.com/office/drawing/2014/main" id="{3D366317-2403-96A4-BB1B-A093EEE4F702}"/>
+            </a:ext>
+          </a:extLst>
+        </p:cNvPr>
+        <p:cNvGrpSpPr/>
+        <p:nvPr/>
+      </p:nvGrpSpPr>
+      <p:grpSpPr>
+        <a:xfrm>
+          <a:off x="0" y="0"/>
+          <a:ext cx="0" cy="0"/>
+          <a:chOff x="0" y="0"/>
+          <a:chExt cx="0" cy="0"/>
+        </a:xfrm>
+      </p:grpSpPr>
+      <p:sp>
+        <p:nvSpPr>
+          <p:cNvPr id="5" name="Title 4">
+            <a:extLst>
+              <a:ext uri="{FF2B5EF4-FFF2-40B4-BE49-F238E27FC236}">
+                <a16:creationId xmlns:a16="http://schemas.microsoft.com/office/drawing/2014/main" id="{B44DE0A7-75CE-8346-8C62-3383C80398A4}"/>
+              </a:ext>
+            </a:extLst>
+          </p:cNvPr>
+          <p:cNvSpPr>
+            <a:spLocks noGrp="1"/>
+          </p:cNvSpPr>
+          <p:nvPr>
+            <p:ph type="title"/>
+          </p:nvPr>
+        </p:nvSpPr>
+        <p:spPr>
+          <a:xfrm>
+            <a:off x="581192" y="702156"/>
+            <a:ext cx="11029616" cy="741310"/>
+          </a:xfrm>
+        </p:spPr>
+        <p:txBody>
+          <a:bodyPr>
+            <a:normAutofit fontScale="90000"/>
+          </a:bodyPr>
+          <a:lstStyle/>
+          <a:p>
+            <a:r>
+              <a:rPr lang="en-US" sz="4400" b="1" dirty="0">
+                <a:solidFill>
+                  <a:schemeClr val="accent1"/>
+                </a:solidFill>
+                <a:latin typeface="Arial"/>
+                <a:ea typeface="+mj-lt"/>
+                <a:cs typeface="Arial"/>
+              </a:rPr>
+              <a:t>End users </a:t>
+            </a:r>
+            <a:endParaRPr lang="en-US" dirty="0">
+              <a:solidFill>
+                <a:schemeClr val="accent1"/>
+              </a:solidFill>
+            </a:endParaRPr>
+          </a:p>
+        </p:txBody>
+      </p:sp>
+      <p:sp>
+        <p:nvSpPr>
+          <p:cNvPr id="2" name="Content Placeholder 1">
+            <a:extLst>
+              <a:ext uri="{FF2B5EF4-FFF2-40B4-BE49-F238E27FC236}">
+                <a16:creationId xmlns:a16="http://schemas.microsoft.com/office/drawing/2014/main" id="{86D59D93-FB7C-8402-0A65-A72CC6B3F445}"/>
+              </a:ext>
+            </a:extLst>
+          </p:cNvPr>
+          <p:cNvSpPr>
+            <a:spLocks noGrp="1"/>
+          </p:cNvSpPr>
+          <p:nvPr>
+            <p:ph idx="1"/>
+          </p:nvPr>
+        </p:nvSpPr>
+        <p:spPr/>
+        <p:txBody>
+          <a:bodyPr>
+            <a:normAutofit/>
+          </a:bodyPr>
+          <a:lstStyle/>
+          <a:p>
+            <a:pPr marL="305435" indent="-305435"/>
+            <a:r>
+              <a:rPr lang="en-IN" sz="2800" dirty="0">
+                <a:ea typeface="+mn-lt"/>
+                <a:cs typeface="+mn-lt"/>
+              </a:rPr>
+              <a:t>Environmentally conscious individuals</a:t>
+            </a:r>
+            <a:endParaRPr lang="en-IN" sz="2800" dirty="0"/>
+          </a:p>
+          <a:p>
+            <a:pPr marL="305435" indent="-305435"/>
+            <a:r>
+              <a:rPr lang="en-IN" sz="2800" dirty="0">
+                <a:ea typeface="+mn-lt"/>
+                <a:cs typeface="+mn-lt"/>
+              </a:rPr>
+              <a:t>Students &amp; young adults</a:t>
+            </a:r>
+            <a:endParaRPr lang="en-IN" sz="2800" dirty="0"/>
+          </a:p>
+          <a:p>
+            <a:pPr marL="305435" indent="-305435"/>
+            <a:r>
+              <a:rPr lang="en-IN" sz="2800" dirty="0">
+                <a:ea typeface="+mn-lt"/>
+                <a:cs typeface="+mn-lt"/>
+              </a:rPr>
+              <a:t>Families &amp; homemakers</a:t>
+            </a:r>
+          </a:p>
+          <a:p>
+            <a:pPr marL="305435" indent="-305435"/>
+            <a:r>
+              <a:rPr lang="en-IN" sz="2800" dirty="0">
+                <a:ea typeface="+mn-lt"/>
+                <a:cs typeface="+mn-lt"/>
+              </a:rPr>
+              <a:t>Educational institutions</a:t>
+            </a:r>
+            <a:endParaRPr lang="en-IN" sz="2800" dirty="0"/>
+          </a:p>
+        </p:txBody>
+      </p:sp>
+    </p:spTree>
+    <p:extLst>
+      <p:ext uri="{BB962C8B-B14F-4D97-AF65-F5344CB8AC3E}">
+        <p14:creationId xmlns:p14="http://schemas.microsoft.com/office/powerpoint/2010/main" val="3691929108"/>
+      </p:ext>
+    </p:extLst>
+  </p:cSld>
+  <p:clrMapOvr>
+    <a:masterClrMapping/>
+  </p:clrMapOvr>
+</p:sld>
+</file>
+
+<file path=ppt/slides/slide9.xml><?xml version="1.0" encoding="utf-8"?>
 <p:sld xmlns:a="http://schemas.openxmlformats.org/drawingml/2006/main" xmlns:r="http://schemas.openxmlformats.org/officeDocument/2006/relationships" xmlns:p="http://schemas.openxmlformats.org/presentationml/2006/main">
   <p:cSld>
     <p:spTree>
@@ -7008,7 +7792,12 @@
             <p:ph type="title"/>
           </p:nvPr>
         </p:nvSpPr>
-        <p:spPr/>
+        <p:spPr>
+          <a:xfrm>
+            <a:off x="581192" y="702156"/>
+            <a:ext cx="11029616" cy="553742"/>
+          </a:xfrm>
+        </p:spPr>
         <p:txBody>
           <a:bodyPr>
             <a:normAutofit fontScale="90000"/>
@@ -7288,142 +8077,6 @@
     <p:extLst>
       <p:ext uri="{BB962C8B-B14F-4D97-AF65-F5344CB8AC3E}">
         <p14:creationId xmlns:p14="http://schemas.microsoft.com/office/powerpoint/2010/main" val="1478686823"/>
-      </p:ext>
-    </p:extLst>
-  </p:cSld>
-  <p:clrMapOvr>
-    <a:masterClrMapping/>
-  </p:clrMapOvr>
-</p:sld>
-</file>
-
-<file path=ppt/slides/slide9.xml><?xml version="1.0" encoding="utf-8"?>
-<p:sld xmlns:a="http://schemas.openxmlformats.org/drawingml/2006/main" xmlns:r="http://schemas.openxmlformats.org/officeDocument/2006/relationships" xmlns:p="http://schemas.openxmlformats.org/presentationml/2006/main">
-  <p:cSld>
-    <p:spTree>
-      <p:nvGrpSpPr>
-        <p:cNvPr id="1" name=""/>
-        <p:cNvGrpSpPr/>
-        <p:nvPr/>
-      </p:nvGrpSpPr>
-      <p:grpSpPr>
-        <a:xfrm>
-          <a:off x="0" y="0"/>
-          <a:ext cx="0" cy="0"/>
-          <a:chOff x="0" y="0"/>
-          <a:chExt cx="0" cy="0"/>
-        </a:xfrm>
-      </p:grpSpPr>
-      <p:sp>
-        <p:nvSpPr>
-          <p:cNvPr id="5" name="Title 4">
-            <a:extLst>
-              <a:ext uri="{FF2B5EF4-FFF2-40B4-BE49-F238E27FC236}">
-                <a16:creationId xmlns:a16="http://schemas.microsoft.com/office/drawing/2014/main" id="{8FBA75B4-2DD5-42EB-9397-F36BFB8BA723}"/>
-              </a:ext>
-            </a:extLst>
-          </p:cNvPr>
-          <p:cNvSpPr>
-            <a:spLocks noGrp="1"/>
-          </p:cNvSpPr>
-          <p:nvPr>
-            <p:ph type="title"/>
-          </p:nvPr>
-        </p:nvSpPr>
-        <p:spPr/>
-        <p:txBody>
-          <a:bodyPr>
-            <a:normAutofit fontScale="90000"/>
-          </a:bodyPr>
-          <a:lstStyle/>
-          <a:p>
-            <a:r>
-              <a:rPr lang="en-US" sz="4400" b="1">
-                <a:solidFill>
-                  <a:schemeClr val="accent1"/>
-                </a:solidFill>
-                <a:latin typeface="Arial"/>
-                <a:ea typeface="+mj-lt"/>
-                <a:cs typeface="Arial"/>
-              </a:rPr>
-              <a:t>Result</a:t>
-            </a:r>
-            <a:endParaRPr lang="en-US"/>
-          </a:p>
-        </p:txBody>
-      </p:sp>
-      <p:sp>
-        <p:nvSpPr>
-          <p:cNvPr id="2" name="Content Placeholder 1">
-            <a:extLst>
-              <a:ext uri="{FF2B5EF4-FFF2-40B4-BE49-F238E27FC236}">
-                <a16:creationId xmlns:a16="http://schemas.microsoft.com/office/drawing/2014/main" id="{D3304455-6802-6CA9-8475-2F6DD1B8D409}"/>
-              </a:ext>
-            </a:extLst>
-          </p:cNvPr>
-          <p:cNvSpPr>
-            <a:spLocks noGrp="1"/>
-          </p:cNvSpPr>
-          <p:nvPr>
-            <p:ph idx="1"/>
-          </p:nvPr>
-        </p:nvSpPr>
-        <p:spPr>
-          <a:xfrm>
-            <a:off x="581192" y="457964"/>
-            <a:ext cx="11029615" cy="4673324"/>
-          </a:xfrm>
-        </p:spPr>
-        <p:txBody>
-          <a:bodyPr>
-            <a:normAutofit/>
-          </a:bodyPr>
-          <a:lstStyle/>
-          <a:p>
-            <a:pPr marL="0" indent="0">
-              <a:buNone/>
-            </a:pPr>
-            <a:r>
-              <a:rPr lang="en-IN" sz="2400" dirty="0">
-                <a:solidFill>
-                  <a:srgbClr val="0F0F0F"/>
-                </a:solidFill>
-                <a:ea typeface="+mn-lt"/>
-                <a:cs typeface="+mn-lt"/>
-              </a:rPr>
-              <a:t>The Eco Lifestyle Agent provides personalized, real-time eco-tips with </a:t>
-            </a:r>
-            <a:r>
-              <a:rPr lang="en-IN" sz="2400" dirty="0" err="1">
-                <a:solidFill>
-                  <a:srgbClr val="0F0F0F"/>
-                </a:solidFill>
-                <a:ea typeface="+mn-lt"/>
-                <a:cs typeface="+mn-lt"/>
-              </a:rPr>
-              <a:t>Watsonx</a:t>
-            </a:r>
-            <a:r>
-              <a:rPr lang="en-IN" sz="2400" dirty="0">
-                <a:solidFill>
-                  <a:srgbClr val="0F0F0F"/>
-                </a:solidFill>
-                <a:ea typeface="+mn-lt"/>
-                <a:cs typeface="+mn-lt"/>
-              </a:rPr>
-              <a:t> Assistant. It understands user questions naturally and encourages daily sustainability. It also offers local green suggestions. The assistant is responsive and easy to use, helping users make environmentally friendly choices with ease.</a:t>
-            </a:r>
-            <a:endParaRPr lang="en-IN" sz="2400" dirty="0">
-              <a:ea typeface="+mn-lt"/>
-              <a:cs typeface="+mn-lt"/>
-            </a:endParaRPr>
-          </a:p>
-        </p:txBody>
-      </p:sp>
-    </p:spTree>
-    <p:extLst>
-      <p:ext uri="{BB962C8B-B14F-4D97-AF65-F5344CB8AC3E}">
-        <p14:creationId xmlns:p14="http://schemas.microsoft.com/office/powerpoint/2010/main" val="1483293388"/>
       </p:ext>
     </p:extLst>
   </p:cSld>
@@ -7998,24 +8651,6 @@
 </file>
 
 <file path=customXml/item1.xml><?xml version="1.0" encoding="utf-8"?>
-<p:properties xmlns:p="http://schemas.microsoft.com/office/2006/metadata/properties" xmlns:xsi="http://www.w3.org/2001/XMLSchema-instance" xmlns:pc="http://schemas.microsoft.com/office/infopath/2007/PartnerControls">
-  <documentManagement>
-    <MediaServiceKeyPoints xmlns="9162bd5b-4ed9-4da3-b376-05204580ba3f" xsi:nil="true"/>
-    <_activity xmlns="9162bd5b-4ed9-4da3-b376-05204580ba3f" xsi:nil="true"/>
-  </documentManagement>
-</p:properties>
-</file>
-
-<file path=customXml/item2.xml><?xml version="1.0" encoding="utf-8"?>
-<?mso-contentType ?>
-<FormTemplates xmlns="http://schemas.microsoft.com/sharepoint/v3/contenttype/forms">
-  <Display>DocumentLibraryForm</Display>
-  <Edit>DocumentLibraryForm</Edit>
-  <New>DocumentLibraryForm</New>
-</FormTemplates>
-</file>
-
-<file path=customXml/item3.xml><?xml version="1.0" encoding="utf-8"?>
 <ct:contentTypeSchema xmlns:ct="http://schemas.microsoft.com/office/2006/metadata/contentType" xmlns:ma="http://schemas.microsoft.com/office/2006/metadata/properties/metaAttributes" ct:_="" ma:_="" ma:contentTypeName="Document" ma:contentTypeID="0x0101000F1872188ABCFC48BECA6C87E8AC3285" ma:contentTypeVersion="17" ma:contentTypeDescription="Create a new document." ma:contentTypeScope="" ma:versionID="55a158675e089c6a85ab0f83b89e1a15">
   <xsd:schema xmlns:xsd="http://www.w3.org/2001/XMLSchema" xmlns:xs="http://www.w3.org/2001/XMLSchema" xmlns:p="http://schemas.microsoft.com/office/2006/metadata/properties" xmlns:ns3="9162bd5b-4ed9-4da3-b376-05204580ba3f" xmlns:ns4="c0fa2617-96bd-425d-8578-e93563fe37c5" targetNamespace="http://schemas.microsoft.com/office/2006/metadata/properties" ma:root="true" ma:fieldsID="b35f082308864fa161c4a0a9eca35eff" ns3:_="" ns4:_="">
     <xsd:import namespace="9162bd5b-4ed9-4da3-b376-05204580ba3f"/>
@@ -8262,32 +8897,25 @@
 </ct:contentTypeSchema>
 </file>
 
-<file path=customXml/itemProps1.xml><?xml version="1.0" encoding="utf-8"?>
-<ds:datastoreItem xmlns:ds="http://schemas.openxmlformats.org/officeDocument/2006/customXml" ds:itemID="{8D289AE2-D2AE-49D1-AFAC-3A79F6794255}">
-  <ds:schemaRefs>
-    <ds:schemaRef ds:uri="9162bd5b-4ed9-4da3-b376-05204580ba3f"/>
-    <ds:schemaRef ds:uri="c0fa2617-96bd-425d-8578-e93563fe37c5"/>
-    <ds:schemaRef ds:uri="http://purl.org/dc/dcmitype/"/>
-    <ds:schemaRef ds:uri="http://purl.org/dc/elements/1.1/"/>
-    <ds:schemaRef ds:uri="http://purl.org/dc/terms/"/>
-    <ds:schemaRef ds:uri="http://schemas.microsoft.com/office/2006/documentManagement/types"/>
-    <ds:schemaRef ds:uri="http://schemas.microsoft.com/office/2006/metadata/properties"/>
-    <ds:schemaRef ds:uri="http://schemas.microsoft.com/office/infopath/2007/PartnerControls"/>
-    <ds:schemaRef ds:uri="http://schemas.openxmlformats.org/package/2006/metadata/core-properties"/>
-    <ds:schemaRef ds:uri="http://www.w3.org/XML/1998/namespace"/>
-  </ds:schemaRefs>
-</ds:datastoreItem>
+<file path=customXml/item2.xml><?xml version="1.0" encoding="utf-8"?>
+<?mso-contentType ?>
+<FormTemplates xmlns="http://schemas.microsoft.com/sharepoint/v3/contenttype/forms">
+  <Display>DocumentLibraryForm</Display>
+  <Edit>DocumentLibraryForm</Edit>
+  <New>DocumentLibraryForm</New>
+</FormTemplates>
 </file>
 
-<file path=customXml/itemProps2.xml><?xml version="1.0" encoding="utf-8"?>
-<ds:datastoreItem xmlns:ds="http://schemas.openxmlformats.org/officeDocument/2006/customXml" ds:itemID="{927BD4C1-B6B1-4715-ABF9-E660A51A4EA0}">
-  <ds:schemaRefs>
-    <ds:schemaRef ds:uri="http://schemas.microsoft.com/sharepoint/v3/contenttype/forms"/>
-  </ds:schemaRefs>
-</ds:datastoreItem>
+<file path=customXml/item3.xml><?xml version="1.0" encoding="utf-8"?>
+<p:properties xmlns:p="http://schemas.microsoft.com/office/2006/metadata/properties" xmlns:xsi="http://www.w3.org/2001/XMLSchema-instance" xmlns:pc="http://schemas.microsoft.com/office/infopath/2007/PartnerControls">
+  <documentManagement>
+    <MediaServiceKeyPoints xmlns="9162bd5b-4ed9-4da3-b376-05204580ba3f" xsi:nil="true"/>
+    <_activity xmlns="9162bd5b-4ed9-4da3-b376-05204580ba3f" xsi:nil="true"/>
+  </documentManagement>
+</p:properties>
 </file>
 
-<file path=customXml/itemProps3.xml><?xml version="1.0" encoding="utf-8"?>
+<file path=customXml/itemProps1.xml><?xml version="1.0" encoding="utf-8"?>
 <ds:datastoreItem xmlns:ds="http://schemas.openxmlformats.org/officeDocument/2006/customXml" ds:itemID="{6E816721-11E4-4989-8472-AB5A7EC20404}">
   <ds:schemaRefs>
     <ds:schemaRef ds:uri="9162bd5b-4ed9-4da3-b376-05204580ba3f"/>
@@ -8304,4 +8932,29 @@
     <ds:schemaRef ds:uri="http://www.w3.org/2001/XMLSchema"/>
   </ds:schemaRefs>
 </ds:datastoreItem>
+</file>
+
+<file path=customXml/itemProps2.xml><?xml version="1.0" encoding="utf-8"?>
+<ds:datastoreItem xmlns:ds="http://schemas.openxmlformats.org/officeDocument/2006/customXml" ds:itemID="{927BD4C1-B6B1-4715-ABF9-E660A51A4EA0}">
+  <ds:schemaRefs>
+    <ds:schemaRef ds:uri="http://schemas.microsoft.com/sharepoint/v3/contenttype/forms"/>
+  </ds:schemaRefs>
+</ds:datastoreItem>
+</file>
+
+<file path=customXml/itemProps3.xml><?xml version="1.0" encoding="utf-8"?>
+<ds:datastoreItem xmlns:ds="http://schemas.openxmlformats.org/officeDocument/2006/customXml" ds:itemID="{8D289AE2-D2AE-49D1-AFAC-3A79F6794255}">
+  <ds:schemaRefs>
+    <ds:schemaRef ds:uri="9162bd5b-4ed9-4da3-b376-05204580ba3f"/>
+    <ds:schemaRef ds:uri="c0fa2617-96bd-425d-8578-e93563fe37c5"/>
+    <ds:schemaRef ds:uri="http://purl.org/dc/dcmitype/"/>
+    <ds:schemaRef ds:uri="http://purl.org/dc/elements/1.1/"/>
+    <ds:schemaRef ds:uri="http://purl.org/dc/terms/"/>
+    <ds:schemaRef ds:uri="http://schemas.microsoft.com/office/2006/documentManagement/types"/>
+    <ds:schemaRef ds:uri="http://schemas.microsoft.com/office/2006/metadata/properties"/>
+    <ds:schemaRef ds:uri="http://schemas.microsoft.com/office/infopath/2007/PartnerControls"/>
+    <ds:schemaRef ds:uri="http://schemas.openxmlformats.org/package/2006/metadata/core-properties"/>
+    <ds:schemaRef ds:uri="http://www.w3.org/XML/1998/namespace"/>
+  </ds:schemaRefs>
+</ds:datastoreItem>
 </file>